--- a/docs/Event-Jul-11-2020.pptx
+++ b/docs/Event-Jul-11-2020.pptx
@@ -12,12 +12,13 @@
     <p:sldId id="260" r:id="rId6"/>
     <p:sldId id="261" r:id="rId7"/>
     <p:sldId id="266" r:id="rId8"/>
-    <p:sldId id="267" r:id="rId9"/>
-    <p:sldId id="268" r:id="rId10"/>
-    <p:sldId id="269" r:id="rId11"/>
-    <p:sldId id="264" r:id="rId12"/>
-    <p:sldId id="262" r:id="rId13"/>
-    <p:sldId id="263" r:id="rId14"/>
+    <p:sldId id="270" r:id="rId9"/>
+    <p:sldId id="267" r:id="rId10"/>
+    <p:sldId id="268" r:id="rId11"/>
+    <p:sldId id="269" r:id="rId12"/>
+    <p:sldId id="264" r:id="rId13"/>
+    <p:sldId id="262" r:id="rId14"/>
+    <p:sldId id="263" r:id="rId15"/>
   </p:sldIdLst>
   <p:sldSz cx="12192000" cy="6858000"/>
   <p:notesSz cx="6858000" cy="9144000"/>
@@ -132,6 +133,7 @@
             <p14:sldId id="260"/>
             <p14:sldId id="261"/>
             <p14:sldId id="266"/>
+            <p14:sldId id="270"/>
             <p14:sldId id="267"/>
             <p14:sldId id="268"/>
             <p14:sldId id="269"/>
@@ -280,7 +282,7 @@
           <a:p>
             <a:fld id="{B5A4C1B7-EA38-4983-80FB-BAEF7D0221A1}" type="datetimeFigureOut">
               <a:rPr lang="en-US" smtClean="0"/>
-              <a:t>7/9/2020</a:t>
+              <a:t>7/10/2020</a:t>
             </a:fld>
             <a:endParaRPr lang="en-US"/>
           </a:p>
@@ -450,7 +452,7 @@
           <a:p>
             <a:fld id="{B5A4C1B7-EA38-4983-80FB-BAEF7D0221A1}" type="datetimeFigureOut">
               <a:rPr lang="en-US" smtClean="0"/>
-              <a:t>7/9/2020</a:t>
+              <a:t>7/10/2020</a:t>
             </a:fld>
             <a:endParaRPr lang="en-US"/>
           </a:p>
@@ -630,7 +632,7 @@
           <a:p>
             <a:fld id="{B5A4C1B7-EA38-4983-80FB-BAEF7D0221A1}" type="datetimeFigureOut">
               <a:rPr lang="en-US" smtClean="0"/>
-              <a:t>7/9/2020</a:t>
+              <a:t>7/10/2020</a:t>
             </a:fld>
             <a:endParaRPr lang="en-US"/>
           </a:p>
@@ -800,7 +802,7 @@
           <a:p>
             <a:fld id="{B5A4C1B7-EA38-4983-80FB-BAEF7D0221A1}" type="datetimeFigureOut">
               <a:rPr lang="en-US" smtClean="0"/>
-              <a:t>7/9/2020</a:t>
+              <a:t>7/10/2020</a:t>
             </a:fld>
             <a:endParaRPr lang="en-US"/>
           </a:p>
@@ -1046,7 +1048,7 @@
           <a:p>
             <a:fld id="{B5A4C1B7-EA38-4983-80FB-BAEF7D0221A1}" type="datetimeFigureOut">
               <a:rPr lang="en-US" smtClean="0"/>
-              <a:t>7/9/2020</a:t>
+              <a:t>7/10/2020</a:t>
             </a:fld>
             <a:endParaRPr lang="en-US"/>
           </a:p>
@@ -1278,7 +1280,7 @@
           <a:p>
             <a:fld id="{B5A4C1B7-EA38-4983-80FB-BAEF7D0221A1}" type="datetimeFigureOut">
               <a:rPr lang="en-US" smtClean="0"/>
-              <a:t>7/9/2020</a:t>
+              <a:t>7/10/2020</a:t>
             </a:fld>
             <a:endParaRPr lang="en-US"/>
           </a:p>
@@ -1645,7 +1647,7 @@
           <a:p>
             <a:fld id="{B5A4C1B7-EA38-4983-80FB-BAEF7D0221A1}" type="datetimeFigureOut">
               <a:rPr lang="en-US" smtClean="0"/>
-              <a:t>7/9/2020</a:t>
+              <a:t>7/10/2020</a:t>
             </a:fld>
             <a:endParaRPr lang="en-US"/>
           </a:p>
@@ -1763,7 +1765,7 @@
           <a:p>
             <a:fld id="{B5A4C1B7-EA38-4983-80FB-BAEF7D0221A1}" type="datetimeFigureOut">
               <a:rPr lang="en-US" smtClean="0"/>
-              <a:t>7/9/2020</a:t>
+              <a:t>7/10/2020</a:t>
             </a:fld>
             <a:endParaRPr lang="en-US"/>
           </a:p>
@@ -1858,7 +1860,7 @@
           <a:p>
             <a:fld id="{B5A4C1B7-EA38-4983-80FB-BAEF7D0221A1}" type="datetimeFigureOut">
               <a:rPr lang="en-US" smtClean="0"/>
-              <a:t>7/9/2020</a:t>
+              <a:t>7/10/2020</a:t>
             </a:fld>
             <a:endParaRPr lang="en-US"/>
           </a:p>
@@ -2135,7 +2137,7 @@
           <a:p>
             <a:fld id="{B5A4C1B7-EA38-4983-80FB-BAEF7D0221A1}" type="datetimeFigureOut">
               <a:rPr lang="en-US" smtClean="0"/>
-              <a:t>7/9/2020</a:t>
+              <a:t>7/10/2020</a:t>
             </a:fld>
             <a:endParaRPr lang="en-US"/>
           </a:p>
@@ -2392,7 +2394,7 @@
           <a:p>
             <a:fld id="{B5A4C1B7-EA38-4983-80FB-BAEF7D0221A1}" type="datetimeFigureOut">
               <a:rPr lang="en-US" smtClean="0"/>
-              <a:t>7/9/2020</a:t>
+              <a:t>7/10/2020</a:t>
             </a:fld>
             <a:endParaRPr lang="en-US"/>
           </a:p>
@@ -2605,7 +2607,7 @@
           <a:p>
             <a:fld id="{B5A4C1B7-EA38-4983-80FB-BAEF7D0221A1}" type="datetimeFigureOut">
               <a:rPr lang="en-US" smtClean="0"/>
-              <a:t>7/9/2020</a:t>
+              <a:t>7/10/2020</a:t>
             </a:fld>
             <a:endParaRPr lang="en-US"/>
           </a:p>
@@ -4965,7 +4967,7 @@
                 <a:ea typeface="Segoe UI" pitchFamily="34" charset="0"/>
                 <a:cs typeface="Segoe UI"/>
               </a:rPr>
-              <a:t>Why unsupported</a:t>
+              <a:t>crmdialog features</a:t>
             </a:r>
             <a:endParaRPr lang="en-US" sz="2800" b="1" dirty="0">
               <a:solidFill>
@@ -4993,7 +4995,7 @@
         <p:spPr bwMode="auto">
           <a:xfrm>
             <a:off x="720969" y="912449"/>
-            <a:ext cx="10339754" cy="5236305"/>
+            <a:ext cx="10339754" cy="2726863"/>
           </a:xfrm>
           <a:prstGeom prst="rect">
             <a:avLst/>
@@ -5029,7 +5031,7 @@
           </a:bodyPr>
           <a:lstStyle/>
           <a:p>
-            <a:pPr defTabSz="405282" fontAlgn="base">
+            <a:pPr marL="285750" indent="-285750" defTabSz="405282" fontAlgn="base">
               <a:lnSpc>
                 <a:spcPct val="150000"/>
               </a:lnSpc>
@@ -5039,6 +5041,67 @@
               <a:spcAft>
                 <a:spcPct val="0"/>
               </a:spcAft>
+              <a:buFont typeface="Arial" panose="020B0604020202020204" pitchFamily="34" charset="0"/>
+              <a:buChar char="•"/>
+              <a:defRPr/>
+            </a:pPr>
+            <a:r>
+              <a:rPr lang="en-US" sz="1600" b="1" dirty="0">
+                <a:solidFill>
+                  <a:schemeClr val="bg1"/>
+                </a:solidFill>
+                <a:latin typeface="Segoe UI" panose="020B0502040204020203" pitchFamily="34" charset="0"/>
+                <a:ea typeface="Segoe UI" panose="020B0502040204020203" pitchFamily="34" charset="0"/>
+                <a:cs typeface="Segoe UI" panose="020B0502040204020203" pitchFamily="34" charset="0"/>
+                <a:sym typeface="Wingdings" panose="05000000000000000000" pitchFamily="2" charset="2"/>
+              </a:rPr>
+              <a:t> </a:t>
+            </a:r>
+            <a:r>
+              <a:rPr lang="en-US" sz="1600" b="1" dirty="0">
+                <a:solidFill>
+                  <a:schemeClr val="bg1"/>
+                </a:solidFill>
+                <a:latin typeface="Segoe UI" panose="020B0502040204020203" pitchFamily="34" charset="0"/>
+                <a:ea typeface="Segoe UI" panose="020B0502040204020203" pitchFamily="34" charset="0"/>
+                <a:cs typeface="Segoe UI" panose="020B0502040204020203" pitchFamily="34" charset="0"/>
+              </a:rPr>
+              <a:t>Unsupported </a:t>
+            </a:r>
+            <a:r>
+              <a:rPr lang="en-US" sz="1600" b="1" dirty="0">
+                <a:solidFill>
+                  <a:schemeClr val="bg1"/>
+                </a:solidFill>
+                <a:latin typeface="Segoe UI" panose="020B0502040204020203" pitchFamily="34" charset="0"/>
+                <a:ea typeface="Segoe UI" panose="020B0502040204020203" pitchFamily="34" charset="0"/>
+                <a:cs typeface="Segoe UI" panose="020B0502040204020203" pitchFamily="34" charset="0"/>
+                <a:sym typeface="Wingdings" panose="05000000000000000000" pitchFamily="2" charset="2"/>
+              </a:rPr>
+              <a:t> ( until now … )</a:t>
+            </a:r>
+            <a:endParaRPr lang="en-US" sz="1600" b="1" dirty="0">
+              <a:solidFill>
+                <a:schemeClr val="bg1"/>
+              </a:solidFill>
+              <a:latin typeface="Segoe UI" panose="020B0502040204020203" pitchFamily="34" charset="0"/>
+              <a:ea typeface="Segoe UI" panose="020B0502040204020203" pitchFamily="34" charset="0"/>
+              <a:cs typeface="Segoe UI" panose="020B0502040204020203" pitchFamily="34" charset="0"/>
+            </a:endParaRPr>
+          </a:p>
+          <a:p>
+            <a:pPr marL="285750" indent="-285750" defTabSz="405282" fontAlgn="base">
+              <a:lnSpc>
+                <a:spcPct val="150000"/>
+              </a:lnSpc>
+              <a:spcBef>
+                <a:spcPct val="0"/>
+              </a:spcBef>
+              <a:spcAft>
+                <a:spcPct val="0"/>
+              </a:spcAft>
+              <a:buFont typeface="Arial" panose="020B0604020202020204" pitchFamily="34" charset="0"/>
+              <a:buChar char="•"/>
               <a:defRPr/>
             </a:pPr>
             <a:r>
@@ -5050,19 +5113,24 @@
                 <a:ea typeface="Segoe UI" panose="020B0502040204020203" pitchFamily="34" charset="0"/>
                 <a:cs typeface="Segoe UI" panose="020B0502040204020203" pitchFamily="34" charset="0"/>
               </a:rPr>
-              <a:t>Because we use </a:t>
-            </a:r>
-            <a:r>
-              <a:rPr lang="en-US" sz="1600" b="1" dirty="0">
-                <a:solidFill>
-                  <a:schemeClr val="bg1"/>
-                </a:solidFill>
-                <a:latin typeface="Segoe UI" panose="020B0502040204020203" pitchFamily="34" charset="0"/>
-                <a:ea typeface="Segoe UI" panose="020B0502040204020203" pitchFamily="34" charset="0"/>
-                <a:cs typeface="Segoe UI" panose="020B0502040204020203" pitchFamily="34" charset="0"/>
-              </a:rPr>
-              <a:t>2</a:t>
-            </a:r>
+              <a:t>Easy to use</a:t>
+            </a:r>
+          </a:p>
+          <a:p>
+            <a:pPr marL="285750" indent="-285750" defTabSz="405282" fontAlgn="base">
+              <a:lnSpc>
+                <a:spcPct val="150000"/>
+              </a:lnSpc>
+              <a:spcBef>
+                <a:spcPct val="0"/>
+              </a:spcBef>
+              <a:spcAft>
+                <a:spcPct val="0"/>
+              </a:spcAft>
+              <a:buFont typeface="Arial" panose="020B0604020202020204" pitchFamily="34" charset="0"/>
+              <a:buChar char="•"/>
+              <a:defRPr/>
+            </a:pPr>
             <a:r>
               <a:rPr lang="en-US" sz="1600" dirty="0">
                 <a:solidFill>
@@ -5072,11 +5140,11 @@
                 <a:ea typeface="Segoe UI" panose="020B0502040204020203" pitchFamily="34" charset="0"/>
                 <a:cs typeface="Segoe UI" panose="020B0502040204020203" pitchFamily="34" charset="0"/>
               </a:rPr>
-              <a:t> JavaScript functions that not document</a:t>
-            </a:r>
-          </a:p>
-          <a:p>
-            <a:pPr marL="742950" lvl="1" indent="-285750" defTabSz="405282" fontAlgn="base">
+              <a:t>Focus to UCI only</a:t>
+            </a:r>
+          </a:p>
+          <a:p>
+            <a:pPr marL="285750" indent="-285750" defTabSz="405282" fontAlgn="base">
               <a:lnSpc>
                 <a:spcPct val="150000"/>
               </a:lnSpc>
@@ -5099,13 +5167,81 @@
                 <a:ea typeface="Segoe UI" panose="020B0502040204020203" pitchFamily="34" charset="0"/>
                 <a:cs typeface="Segoe UI" panose="020B0502040204020203" pitchFamily="34" charset="0"/>
               </a:rPr>
-              <a:t>Xrm.Navigation.openDialog(...) (</a:t>
+              <a:t>No need to know FormXml </a:t>
+            </a:r>
+            <a:r>
+              <a:rPr lang="en-US" sz="1600" dirty="0">
+                <a:solidFill>
+                  <a:schemeClr val="bg1"/>
+                </a:solidFill>
+                <a:latin typeface="Segoe UI" panose="020B0502040204020203" pitchFamily="34" charset="0"/>
+                <a:ea typeface="Segoe UI" panose="020B0502040204020203" pitchFamily="34" charset="0"/>
+                <a:cs typeface="Segoe UI" panose="020B0502040204020203" pitchFamily="34" charset="0"/>
+                <a:sym typeface="Wingdings" panose="05000000000000000000" pitchFamily="2" charset="2"/>
+              </a:rPr>
+              <a:t></a:t>
+            </a:r>
+          </a:p>
+          <a:p>
+            <a:pPr marL="285750" indent="-285750" defTabSz="405282" fontAlgn="base">
+              <a:lnSpc>
+                <a:spcPct val="150000"/>
+              </a:lnSpc>
+              <a:spcBef>
+                <a:spcPct val="0"/>
+              </a:spcBef>
+              <a:spcAft>
+                <a:spcPct val="0"/>
+              </a:spcAft>
+              <a:buFont typeface="Arial" panose="020B0604020202020204" pitchFamily="34" charset="0"/>
+              <a:buChar char="•"/>
+              <a:defRPr/>
+            </a:pPr>
+            <a:r>
+              <a:rPr lang="en-US" sz="1600" dirty="0">
+                <a:solidFill>
+                  <a:schemeClr val="bg1"/>
+                </a:solidFill>
+                <a:latin typeface="Segoe UI" panose="020B0502040204020203" pitchFamily="34" charset="0"/>
+                <a:ea typeface="Segoe UI" panose="020B0502040204020203" pitchFamily="34" charset="0"/>
+                <a:cs typeface="Segoe UI" panose="020B0502040204020203" pitchFamily="34" charset="0"/>
+                <a:sym typeface="Wingdings" panose="05000000000000000000" pitchFamily="2" charset="2"/>
+              </a:rPr>
+              <a:t>Help you export an unmanaged solution</a:t>
+            </a:r>
+          </a:p>
+          <a:p>
+            <a:pPr marL="285750" indent="-285750" defTabSz="405282" fontAlgn="base">
+              <a:lnSpc>
+                <a:spcPct val="150000"/>
+              </a:lnSpc>
+              <a:spcBef>
+                <a:spcPct val="0"/>
+              </a:spcBef>
+              <a:spcAft>
+                <a:spcPct val="0"/>
+              </a:spcAft>
+              <a:buFont typeface="Arial" panose="020B0604020202020204" pitchFamily="34" charset="0"/>
+              <a:buChar char="•"/>
+              <a:defRPr/>
+            </a:pPr>
+            <a:r>
+              <a:rPr lang="en-US" sz="1600" dirty="0">
+                <a:solidFill>
+                  <a:schemeClr val="bg1"/>
+                </a:solidFill>
+                <a:latin typeface="Segoe UI" panose="020B0502040204020203" pitchFamily="34" charset="0"/>
+                <a:ea typeface="Segoe UI" panose="020B0502040204020203" pitchFamily="34" charset="0"/>
+                <a:cs typeface="Segoe UI" panose="020B0502040204020203" pitchFamily="34" charset="0"/>
+                <a:sym typeface="Wingdings" panose="05000000000000000000" pitchFamily="2" charset="2"/>
+              </a:rPr>
+              <a:t>Access controls by OOB javascript code (</a:t>
             </a:r>
             <a:r>
               <a:rPr lang="en-US" sz="1600" dirty="0">
                 <a:hlinkClick r:id="rId2"/>
               </a:rPr>
-              <a:t>https://docs.microsoft.com/en-us/powerapps/developer/model-driven-apps/clientapi/reference/xrm-navigation</a:t>
+              <a:t>https://docs.microsoft.com/en-us/powerapps/developer/model-driven-apps/clientapi/reference</a:t>
             </a:r>
             <a:r>
               <a:rPr lang="en-US" sz="1600" dirty="0"/>
@@ -5118,10 +5254,11 @@
               <a:latin typeface="Segoe UI" panose="020B0502040204020203" pitchFamily="34" charset="0"/>
               <a:ea typeface="Segoe UI" panose="020B0502040204020203" pitchFamily="34" charset="0"/>
               <a:cs typeface="Segoe UI" panose="020B0502040204020203" pitchFamily="34" charset="0"/>
+              <a:sym typeface="Wingdings" panose="05000000000000000000" pitchFamily="2" charset="2"/>
             </a:endParaRPr>
           </a:p>
           <a:p>
-            <a:pPr marL="742950" lvl="1" indent="-285750" defTabSz="405282" fontAlgn="base">
+            <a:pPr marL="285750" indent="-285750" defTabSz="405282" fontAlgn="base">
               <a:lnSpc>
                 <a:spcPct val="150000"/>
               </a:lnSpc>
@@ -5135,27 +5272,6 @@
               <a:buChar char="•"/>
               <a:defRPr/>
             </a:pPr>
-            <a:r>
-              <a:rPr lang="en-US" sz="1600" dirty="0">
-                <a:solidFill>
-                  <a:schemeClr val="bg1"/>
-                </a:solidFill>
-                <a:latin typeface="Segoe UI" panose="020B0502040204020203" pitchFamily="34" charset="0"/>
-                <a:ea typeface="Segoe UI" panose="020B0502040204020203" pitchFamily="34" charset="0"/>
-                <a:cs typeface="Segoe UI" panose="020B0502040204020203" pitchFamily="34" charset="0"/>
-              </a:rPr>
-              <a:t>formContext.ui.moveTo(...) (</a:t>
-            </a:r>
-            <a:r>
-              <a:rPr lang="en-US" sz="1600" dirty="0">
-                <a:hlinkClick r:id="rId3"/>
-              </a:rPr>
-              <a:t>https://docs.microsoft.com/en-us/powerapps/developer/model-driven-apps/clientapi/reference/formcontext-ui</a:t>
-            </a:r>
-            <a:r>
-              <a:rPr lang="en-US" sz="1600" dirty="0"/>
-              <a:t>)</a:t>
-            </a:r>
             <a:endParaRPr lang="en-US" sz="1600" dirty="0">
               <a:solidFill>
                 <a:schemeClr val="bg1"/>
@@ -5163,6 +5279,7 @@
               <a:latin typeface="Segoe UI" panose="020B0502040204020203" pitchFamily="34" charset="0"/>
               <a:ea typeface="Segoe UI" panose="020B0502040204020203" pitchFamily="34" charset="0"/>
               <a:cs typeface="Segoe UI" panose="020B0502040204020203" pitchFamily="34" charset="0"/>
+              <a:sym typeface="Wingdings" panose="05000000000000000000" pitchFamily="2" charset="2"/>
             </a:endParaRPr>
           </a:p>
           <a:p>
@@ -5213,18 +5330,204 @@
               <a:cs typeface="Segoe UI" panose="020B0502040204020203" pitchFamily="34" charset="0"/>
             </a:endParaRPr>
           </a:p>
+          <a:p>
+            <a:pPr marL="285750" indent="-285750" defTabSz="405282" fontAlgn="base">
+              <a:lnSpc>
+                <a:spcPct val="150000"/>
+              </a:lnSpc>
+              <a:spcBef>
+                <a:spcPct val="0"/>
+              </a:spcBef>
+              <a:spcAft>
+                <a:spcPct val="0"/>
+              </a:spcAft>
+              <a:buFont typeface="Arial" panose="020B0604020202020204" pitchFamily="34" charset="0"/>
+              <a:buChar char="•"/>
+              <a:defRPr/>
+            </a:pPr>
+            <a:endParaRPr lang="en-US" sz="1600" dirty="0">
+              <a:solidFill>
+                <a:schemeClr val="bg1"/>
+              </a:solidFill>
+              <a:latin typeface="Segoe UI" panose="020B0502040204020203" pitchFamily="34" charset="0"/>
+              <a:ea typeface="Segoe UI" panose="020B0502040204020203" pitchFamily="34" charset="0"/>
+              <a:cs typeface="Segoe UI" panose="020B0502040204020203" pitchFamily="34" charset="0"/>
+            </a:endParaRPr>
+          </a:p>
+        </p:txBody>
+      </p:sp>
+      <p:sp>
+        <p:nvSpPr>
+          <p:cNvPr id="4" name="Rectangle 3">
+            <a:extLst>
+              <a:ext uri="{FF2B5EF4-FFF2-40B4-BE49-F238E27FC236}">
+                <a16:creationId xmlns:a16="http://schemas.microsoft.com/office/drawing/2014/main" id="{E820DDE3-BC0F-4859-9EFF-8DD46B951F7A}"/>
+              </a:ext>
+            </a:extLst>
+          </p:cNvPr>
+          <p:cNvSpPr/>
+          <p:nvPr/>
+        </p:nvSpPr>
+        <p:spPr>
+          <a:xfrm>
+            <a:off x="624722" y="4185916"/>
+            <a:ext cx="10532247" cy="1015663"/>
+          </a:xfrm>
+          <a:prstGeom prst="rect">
+            <a:avLst/>
+          </a:prstGeom>
+        </p:spPr>
+        <p:txBody>
+          <a:bodyPr wrap="square">
+            <a:spAutoFit/>
+          </a:bodyPr>
+          <a:lstStyle/>
+          <a:p>
+            <a:pPr algn="ctr"/>
+            <a:r>
+              <a:rPr lang="en-US" sz="6000" dirty="0">
+                <a:hlinkClick r:id="rId3"/>
+              </a:rPr>
+              <a:t>http://crmdialog.phuocle.net</a:t>
+            </a:r>
+            <a:endParaRPr lang="en-US" sz="6000" dirty="0"/>
+          </a:p>
         </p:txBody>
       </p:sp>
     </p:spTree>
     <p:extLst>
       <p:ext uri="{BB962C8B-B14F-4D97-AF65-F5344CB8AC3E}">
-        <p14:creationId xmlns:p14="http://schemas.microsoft.com/office/powerpoint/2010/main" val="3034120787"/>
+        <p14:creationId xmlns:p14="http://schemas.microsoft.com/office/powerpoint/2010/main" val="1854837005"/>
       </p:ext>
     </p:extLst>
   </p:cSld>
   <p:clrMapOvr>
     <a:masterClrMapping/>
   </p:clrMapOvr>
+  <p:timing>
+    <p:tnLst>
+      <p:par>
+        <p:cTn id="1" dur="indefinite" restart="never" nodeType="tmRoot">
+          <p:childTnLst>
+            <p:seq concurrent="1" nextAc="seek">
+              <p:cTn id="2" dur="indefinite" nodeType="mainSeq">
+                <p:childTnLst>
+                  <p:par>
+                    <p:cTn id="3" fill="hold">
+                      <p:stCondLst>
+                        <p:cond delay="indefinite"/>
+                      </p:stCondLst>
+                      <p:childTnLst>
+                        <p:par>
+                          <p:cTn id="4" fill="hold">
+                            <p:stCondLst>
+                              <p:cond delay="0"/>
+                            </p:stCondLst>
+                            <p:childTnLst>
+                              <p:par>
+                                <p:cTn id="5" presetID="1" presetClass="entr" presetSubtype="0" fill="hold" grpId="0" nodeType="clickEffect">
+                                  <p:stCondLst>
+                                    <p:cond delay="0"/>
+                                  </p:stCondLst>
+                                  <p:childTnLst>
+                                    <p:set>
+                                      <p:cBhvr>
+                                        <p:cTn id="6" dur="1" fill="hold">
+                                          <p:stCondLst>
+                                            <p:cond delay="0"/>
+                                          </p:stCondLst>
+                                        </p:cTn>
+                                        <p:tgtEl>
+                                          <p:spTgt spid="10"/>
+                                        </p:tgtEl>
+                                        <p:attrNameLst>
+                                          <p:attrName>style.visibility</p:attrName>
+                                        </p:attrNameLst>
+                                      </p:cBhvr>
+                                      <p:to>
+                                        <p:strVal val="visible"/>
+                                      </p:to>
+                                    </p:set>
+                                  </p:childTnLst>
+                                </p:cTn>
+                              </p:par>
+                            </p:childTnLst>
+                          </p:cTn>
+                        </p:par>
+                      </p:childTnLst>
+                    </p:cTn>
+                  </p:par>
+                  <p:par>
+                    <p:cTn id="7" fill="hold">
+                      <p:stCondLst>
+                        <p:cond delay="indefinite"/>
+                      </p:stCondLst>
+                      <p:childTnLst>
+                        <p:par>
+                          <p:cTn id="8" fill="hold">
+                            <p:stCondLst>
+                              <p:cond delay="0"/>
+                            </p:stCondLst>
+                            <p:childTnLst>
+                              <p:par>
+                                <p:cTn id="9" presetID="1" presetClass="entr" presetSubtype="0" fill="hold" grpId="0" nodeType="clickEffect">
+                                  <p:stCondLst>
+                                    <p:cond delay="0"/>
+                                  </p:stCondLst>
+                                  <p:childTnLst>
+                                    <p:set>
+                                      <p:cBhvr>
+                                        <p:cTn id="10" dur="1" fill="hold">
+                                          <p:stCondLst>
+                                            <p:cond delay="0"/>
+                                          </p:stCondLst>
+                                        </p:cTn>
+                                        <p:tgtEl>
+                                          <p:spTgt spid="4"/>
+                                        </p:tgtEl>
+                                        <p:attrNameLst>
+                                          <p:attrName>style.visibility</p:attrName>
+                                        </p:attrNameLst>
+                                      </p:cBhvr>
+                                      <p:to>
+                                        <p:strVal val="visible"/>
+                                      </p:to>
+                                    </p:set>
+                                  </p:childTnLst>
+                                </p:cTn>
+                              </p:par>
+                            </p:childTnLst>
+                          </p:cTn>
+                        </p:par>
+                      </p:childTnLst>
+                    </p:cTn>
+                  </p:par>
+                </p:childTnLst>
+              </p:cTn>
+              <p:prevCondLst>
+                <p:cond evt="onPrev" delay="0">
+                  <p:tgtEl>
+                    <p:sldTgt/>
+                  </p:tgtEl>
+                </p:cond>
+              </p:prevCondLst>
+              <p:nextCondLst>
+                <p:cond evt="onNext" delay="0">
+                  <p:tgtEl>
+                    <p:sldTgt/>
+                  </p:tgtEl>
+                </p:cond>
+              </p:nextCondLst>
+            </p:seq>
+          </p:childTnLst>
+        </p:cTn>
+      </p:par>
+    </p:tnLst>
+    <p:bldLst>
+      <p:bldP spid="10" grpId="0"/>
+      <p:bldP spid="4" grpId="0"/>
+    </p:bldLst>
+  </p:timing>
 </p:sld>
 </file>
 
@@ -5684,7 +5987,7 @@
               <a:defRPr/>
             </a:pPr>
             <a:r>
-              <a:rPr lang="en-US" sz="3600" dirty="0">
+              <a:rPr lang="en-US" sz="3600" b="1" dirty="0">
                 <a:solidFill>
                   <a:schemeClr val="bg1"/>
                 </a:solidFill>
@@ -5692,7 +5995,7 @@
                 <a:ea typeface="Segoe UI" pitchFamily="34" charset="0"/>
                 <a:cs typeface="Segoe UI"/>
               </a:rPr>
-              <a:t>Demo</a:t>
+              <a:t>Why unsupported</a:t>
             </a:r>
             <a:endParaRPr lang="en-US" sz="2800" b="1" dirty="0">
               <a:solidFill>
@@ -5756,7 +6059,7 @@
           </a:bodyPr>
           <a:lstStyle/>
           <a:p>
-            <a:pPr marL="285750" indent="-285750" algn="just" defTabSz="405282" fontAlgn="base">
+            <a:pPr defTabSz="405282" fontAlgn="base">
               <a:lnSpc>
                 <a:spcPct val="150000"/>
               </a:lnSpc>
@@ -5766,8 +6069,6 @@
               <a:spcAft>
                 <a:spcPct val="0"/>
               </a:spcAft>
-              <a:buFont typeface="Arial" panose="020B0604020202020204" pitchFamily="34" charset="0"/>
-              <a:buChar char="•"/>
               <a:defRPr/>
             </a:pPr>
             <a:r>
@@ -5779,24 +6080,19 @@
                 <a:ea typeface="Segoe UI" panose="020B0502040204020203" pitchFamily="34" charset="0"/>
                 <a:cs typeface="Segoe UI" panose="020B0502040204020203" pitchFamily="34" charset="0"/>
               </a:rPr>
-              <a:t>Requirements: Find UserId (GUID) by User Name</a:t>
-            </a:r>
-          </a:p>
-          <a:p>
-            <a:pPr marL="285750" indent="-285750" algn="just" defTabSz="405282" fontAlgn="base">
-              <a:lnSpc>
-                <a:spcPct val="150000"/>
-              </a:lnSpc>
-              <a:spcBef>
-                <a:spcPct val="0"/>
-              </a:spcBef>
-              <a:spcAft>
-                <a:spcPct val="0"/>
-              </a:spcAft>
-              <a:buFont typeface="Arial" panose="020B0604020202020204" pitchFamily="34" charset="0"/>
-              <a:buChar char="•"/>
-              <a:defRPr/>
-            </a:pPr>
+              <a:t>Because we use </a:t>
+            </a:r>
+            <a:r>
+              <a:rPr lang="en-US" sz="1600" b="1" dirty="0">
+                <a:solidFill>
+                  <a:schemeClr val="bg1"/>
+                </a:solidFill>
+                <a:latin typeface="Segoe UI" panose="020B0502040204020203" pitchFamily="34" charset="0"/>
+                <a:ea typeface="Segoe UI" panose="020B0502040204020203" pitchFamily="34" charset="0"/>
+                <a:cs typeface="Segoe UI" panose="020B0502040204020203" pitchFamily="34" charset="0"/>
+              </a:rPr>
+              <a:t>2</a:t>
+            </a:r>
             <a:r>
               <a:rPr lang="en-US" sz="1600" dirty="0">
                 <a:solidFill>
@@ -5806,11 +6102,11 @@
                 <a:ea typeface="Segoe UI" panose="020B0502040204020203" pitchFamily="34" charset="0"/>
                 <a:cs typeface="Segoe UI" panose="020B0502040204020203" pitchFamily="34" charset="0"/>
               </a:rPr>
-              <a:t>Solution with crmdialog</a:t>
-            </a:r>
-          </a:p>
-          <a:p>
-            <a:pPr marL="742950" lvl="1" indent="-285750" algn="just" defTabSz="405282" fontAlgn="base">
+              <a:t> JavaScript functions that not document</a:t>
+            </a:r>
+          </a:p>
+          <a:p>
+            <a:pPr marL="742950" lvl="1" indent="-285750" defTabSz="405282" fontAlgn="base">
               <a:lnSpc>
                 <a:spcPct val="150000"/>
               </a:lnSpc>
@@ -5833,11 +6129,33 @@
                 <a:ea typeface="Segoe UI" panose="020B0502040204020203" pitchFamily="34" charset="0"/>
                 <a:cs typeface="Segoe UI" panose="020B0502040204020203" pitchFamily="34" charset="0"/>
               </a:rPr>
-              <a:t>Design a dialog with crmdialog app</a:t>
-            </a:r>
-          </a:p>
-          <a:p>
-            <a:pPr marL="742950" lvl="1" indent="-285750" algn="just" defTabSz="405282" fontAlgn="base">
+              <a:t>Xrm.Navigation.openDialog(...) (</a:t>
+            </a:r>
+            <a:r>
+              <a:rPr lang="en-US" sz="1600" dirty="0">
+                <a:hlinkClick r:id="rId2"/>
+              </a:rPr>
+              <a:t>https://docs.microsoft.com/en-us/powerapps/developer/model-driven-apps/clientapi/reference/xrm-navigation</a:t>
+            </a:r>
+            <a:r>
+              <a:rPr lang="en-US" sz="1600" dirty="0"/>
+              <a:t>) </a:t>
+            </a:r>
+            <a:r>
+              <a:rPr lang="en-US" sz="1600" i="1" dirty="0"/>
+              <a:t>(before Microsoft use: Xrm.Internal.openDialog(…)</a:t>
+            </a:r>
+            <a:endParaRPr lang="en-US" sz="1600" i="1" dirty="0">
+              <a:solidFill>
+                <a:schemeClr val="bg1"/>
+              </a:solidFill>
+              <a:latin typeface="Segoe UI" panose="020B0502040204020203" pitchFamily="34" charset="0"/>
+              <a:ea typeface="Segoe UI" panose="020B0502040204020203" pitchFamily="34" charset="0"/>
+              <a:cs typeface="Segoe UI" panose="020B0502040204020203" pitchFamily="34" charset="0"/>
+            </a:endParaRPr>
+          </a:p>
+          <a:p>
+            <a:pPr marL="742950" lvl="1" indent="-285750" defTabSz="405282" fontAlgn="base">
               <a:lnSpc>
                 <a:spcPct val="150000"/>
               </a:lnSpc>
@@ -5860,65 +6178,29 @@
                 <a:ea typeface="Segoe UI" panose="020B0502040204020203" pitchFamily="34" charset="0"/>
                 <a:cs typeface="Segoe UI" panose="020B0502040204020203" pitchFamily="34" charset="0"/>
               </a:rPr>
-              <a:t>Create dialog.js webresource and deploy to CDS</a:t>
-            </a:r>
-          </a:p>
-          <a:p>
-            <a:pPr marL="742950" lvl="1" indent="-285750" algn="just" defTabSz="405282" fontAlgn="base">
-              <a:lnSpc>
-                <a:spcPct val="150000"/>
-              </a:lnSpc>
-              <a:spcBef>
-                <a:spcPct val="0"/>
-              </a:spcBef>
-              <a:spcAft>
-                <a:spcPct val="0"/>
-              </a:spcAft>
-              <a:buFont typeface="Arial" panose="020B0604020202020204" pitchFamily="34" charset="0"/>
-              <a:buChar char="•"/>
-              <a:defRPr/>
-            </a:pPr>
+              <a:t>formContext.ui.moveTo(...) (</a:t>
+            </a:r>
             <a:r>
               <a:rPr lang="en-US" sz="1600" dirty="0">
-                <a:solidFill>
-                  <a:schemeClr val="bg1"/>
-                </a:solidFill>
-                <a:latin typeface="Segoe UI" panose="020B0502040204020203" pitchFamily="34" charset="0"/>
-                <a:ea typeface="Segoe UI" panose="020B0502040204020203" pitchFamily="34" charset="0"/>
-                <a:cs typeface="Segoe UI" panose="020B0502040204020203" pitchFamily="34" charset="0"/>
+                <a:hlinkClick r:id="rId3"/>
               </a:rPr>
-              <a:t>Import solution (downloaded from crmdialog app) to CDS</a:t>
-            </a:r>
-          </a:p>
-          <a:p>
-            <a:pPr marL="742950" lvl="1" indent="-285750" algn="just" defTabSz="405282" fontAlgn="base">
-              <a:lnSpc>
-                <a:spcPct val="150000"/>
-              </a:lnSpc>
-              <a:spcBef>
-                <a:spcPct val="0"/>
-              </a:spcBef>
-              <a:spcAft>
-                <a:spcPct val="0"/>
-              </a:spcAft>
-              <a:buFont typeface="Arial" panose="020B0604020202020204" pitchFamily="34" charset="0"/>
-              <a:buChar char="•"/>
-              <a:defRPr/>
-            </a:pPr>
-            <a:r>
-              <a:rPr lang="en-US" sz="1600" dirty="0">
-                <a:solidFill>
-                  <a:schemeClr val="bg1"/>
-                </a:solidFill>
-                <a:latin typeface="Segoe UI" panose="020B0502040204020203" pitchFamily="34" charset="0"/>
-                <a:ea typeface="Segoe UI" panose="020B0502040204020203" pitchFamily="34" charset="0"/>
-                <a:cs typeface="Segoe UI" panose="020B0502040204020203" pitchFamily="34" charset="0"/>
-              </a:rPr>
-              <a:t>Test</a:t>
-            </a:r>
-          </a:p>
-          <a:p>
-            <a:pPr marL="742950" lvl="1" indent="-285750" algn="just" defTabSz="405282" fontAlgn="base">
+              <a:t>https://docs.microsoft.com/en-us/powerapps/developer/model-driven-apps/clientapi/reference/formcontext-ui</a:t>
+            </a:r>
+            <a:r>
+              <a:rPr lang="en-US" sz="1600" dirty="0"/>
+              <a:t>)</a:t>
+            </a:r>
+            <a:endParaRPr lang="en-US" sz="1600" dirty="0">
+              <a:solidFill>
+                <a:schemeClr val="bg1"/>
+              </a:solidFill>
+              <a:latin typeface="Segoe UI" panose="020B0502040204020203" pitchFamily="34" charset="0"/>
+              <a:ea typeface="Segoe UI" panose="020B0502040204020203" pitchFamily="34" charset="0"/>
+              <a:cs typeface="Segoe UI" panose="020B0502040204020203" pitchFamily="34" charset="0"/>
+            </a:endParaRPr>
+          </a:p>
+          <a:p>
+            <a:pPr marL="285750" indent="-285750" defTabSz="405282" fontAlgn="base">
               <a:lnSpc>
                 <a:spcPct val="150000"/>
               </a:lnSpc>
@@ -5941,42 +6223,36 @@
               <a:cs typeface="Segoe UI" panose="020B0502040204020203" pitchFamily="34" charset="0"/>
             </a:endParaRPr>
           </a:p>
-        </p:txBody>
-      </p:sp>
-      <p:pic>
-        <p:nvPicPr>
-          <p:cNvPr id="4" name="Picture 3">
-            <a:extLst>
-              <a:ext uri="{FF2B5EF4-FFF2-40B4-BE49-F238E27FC236}">
-                <a16:creationId xmlns:a16="http://schemas.microsoft.com/office/drawing/2014/main" id="{7AF6684D-C280-4863-9879-1C75E626F354}"/>
-              </a:ext>
-            </a:extLst>
-          </p:cNvPr>
-          <p:cNvPicPr>
-            <a:picLocks noChangeAspect="1"/>
-          </p:cNvPicPr>
-          <p:nvPr/>
-        </p:nvPicPr>
-        <p:blipFill>
-          <a:blip r:embed="rId2"/>
-          <a:stretch>
-            <a:fillRect/>
-          </a:stretch>
-        </p:blipFill>
-        <p:spPr>
-          <a:xfrm>
-            <a:off x="3861816" y="3084114"/>
-            <a:ext cx="5185342" cy="2684177"/>
-          </a:xfrm>
-          <a:prstGeom prst="rect">
-            <a:avLst/>
-          </a:prstGeom>
-        </p:spPr>
-      </p:pic>
+          <a:p>
+            <a:pPr marL="285750" indent="-285750" defTabSz="405282" fontAlgn="base">
+              <a:lnSpc>
+                <a:spcPct val="150000"/>
+              </a:lnSpc>
+              <a:spcBef>
+                <a:spcPct val="0"/>
+              </a:spcBef>
+              <a:spcAft>
+                <a:spcPct val="0"/>
+              </a:spcAft>
+              <a:buFont typeface="Arial" panose="020B0604020202020204" pitchFamily="34" charset="0"/>
+              <a:buChar char="•"/>
+              <a:defRPr/>
+            </a:pPr>
+            <a:endParaRPr lang="en-US" sz="1600" dirty="0">
+              <a:solidFill>
+                <a:schemeClr val="bg1"/>
+              </a:solidFill>
+              <a:latin typeface="Segoe UI" panose="020B0502040204020203" pitchFamily="34" charset="0"/>
+              <a:ea typeface="Segoe UI" panose="020B0502040204020203" pitchFamily="34" charset="0"/>
+              <a:cs typeface="Segoe UI" panose="020B0502040204020203" pitchFamily="34" charset="0"/>
+            </a:endParaRPr>
+          </a:p>
+        </p:txBody>
+      </p:sp>
     </p:spTree>
     <p:extLst>
       <p:ext uri="{BB962C8B-B14F-4D97-AF65-F5344CB8AC3E}">
-        <p14:creationId xmlns:p14="http://schemas.microsoft.com/office/powerpoint/2010/main" val="2796192226"/>
+        <p14:creationId xmlns:p14="http://schemas.microsoft.com/office/powerpoint/2010/main" val="3034120787"/>
       </p:ext>
     </p:extLst>
   </p:cSld>
@@ -6392,6 +6668,764 @@
         </p:nvSpPr>
         <p:spPr bwMode="auto">
           <a:xfrm>
+            <a:off x="301359" y="107643"/>
+            <a:ext cx="7377095" cy="896247"/>
+          </a:xfrm>
+          <a:prstGeom prst="rect">
+            <a:avLst/>
+          </a:prstGeom>
+          <a:noFill/>
+          <a:ln>
+            <a:noFill/>
+            <a:headEnd type="none" w="med" len="med"/>
+            <a:tailEnd type="none" w="med" len="med"/>
+          </a:ln>
+          <a:effectLst/>
+        </p:spPr>
+        <p:style>
+          <a:lnRef idx="1">
+            <a:schemeClr val="accent2"/>
+          </a:lnRef>
+          <a:fillRef idx="3">
+            <a:schemeClr val="accent2"/>
+          </a:fillRef>
+          <a:effectRef idx="2">
+            <a:schemeClr val="accent2"/>
+          </a:effectRef>
+          <a:fontRef idx="minor">
+            <a:schemeClr val="lt1"/>
+          </a:fontRef>
+        </p:style>
+        <p:txBody>
+          <a:bodyPr rot="0" spcFirstLastPara="0" vertOverflow="overflow" horzOverflow="overflow" vert="horz" wrap="square" lIns="0" tIns="0" rIns="0" bIns="0" numCol="1" spcCol="0" rtlCol="0" fromWordArt="0" anchor="t" anchorCtr="0" forceAA="0" compatLnSpc="1">
+            <a:prstTxWarp prst="textNoShape">
+              <a:avLst/>
+            </a:prstTxWarp>
+            <a:noAutofit/>
+          </a:bodyPr>
+          <a:lstStyle/>
+          <a:p>
+            <a:pPr defTabSz="405282" fontAlgn="base">
+              <a:lnSpc>
+                <a:spcPct val="150000"/>
+              </a:lnSpc>
+              <a:spcBef>
+                <a:spcPct val="0"/>
+              </a:spcBef>
+              <a:spcAft>
+                <a:spcPct val="0"/>
+              </a:spcAft>
+              <a:defRPr/>
+            </a:pPr>
+            <a:r>
+              <a:rPr lang="en-US" sz="3600" dirty="0">
+                <a:solidFill>
+                  <a:schemeClr val="bg1"/>
+                </a:solidFill>
+                <a:latin typeface="Segoe UI Semibold"/>
+                <a:ea typeface="Segoe UI" pitchFamily="34" charset="0"/>
+                <a:cs typeface="Segoe UI"/>
+              </a:rPr>
+              <a:t>Demo</a:t>
+            </a:r>
+            <a:endParaRPr lang="en-US" sz="2800" b="1" dirty="0">
+              <a:solidFill>
+                <a:schemeClr val="bg1"/>
+              </a:solidFill>
+              <a:latin typeface="Segoe UI"/>
+              <a:ea typeface="Segoe UI" pitchFamily="34" charset="0"/>
+              <a:cs typeface="Segoe UI"/>
+            </a:endParaRPr>
+          </a:p>
+        </p:txBody>
+      </p:sp>
+      <p:sp>
+        <p:nvSpPr>
+          <p:cNvPr id="10" name="Rectangle 9">
+            <a:extLst>
+              <a:ext uri="{FF2B5EF4-FFF2-40B4-BE49-F238E27FC236}">
+                <a16:creationId xmlns:a16="http://schemas.microsoft.com/office/drawing/2014/main" id="{048CC64F-23A4-43AD-B633-E7B8A892701F}"/>
+              </a:ext>
+            </a:extLst>
+          </p:cNvPr>
+          <p:cNvSpPr/>
+          <p:nvPr/>
+        </p:nvSpPr>
+        <p:spPr bwMode="auto">
+          <a:xfrm>
+            <a:off x="720969" y="912449"/>
+            <a:ext cx="10339754" cy="5236305"/>
+          </a:xfrm>
+          <a:prstGeom prst="rect">
+            <a:avLst/>
+          </a:prstGeom>
+          <a:noFill/>
+          <a:ln>
+            <a:noFill/>
+            <a:headEnd type="none" w="med" len="med"/>
+            <a:tailEnd type="none" w="med" len="med"/>
+          </a:ln>
+          <a:effectLst/>
+        </p:spPr>
+        <p:style>
+          <a:lnRef idx="1">
+            <a:schemeClr val="accent2"/>
+          </a:lnRef>
+          <a:fillRef idx="3">
+            <a:schemeClr val="accent2"/>
+          </a:fillRef>
+          <a:effectRef idx="2">
+            <a:schemeClr val="accent2"/>
+          </a:effectRef>
+          <a:fontRef idx="minor">
+            <a:schemeClr val="lt1"/>
+          </a:fontRef>
+        </p:style>
+        <p:txBody>
+          <a:bodyPr rot="0" spcFirstLastPara="0" vertOverflow="overflow" horzOverflow="overflow" vert="horz" wrap="square" lIns="0" tIns="0" rIns="0" bIns="0" numCol="1" spcCol="0" rtlCol="0" fromWordArt="0" anchor="t" anchorCtr="0" forceAA="0" compatLnSpc="1">
+            <a:prstTxWarp prst="textNoShape">
+              <a:avLst/>
+            </a:prstTxWarp>
+            <a:noAutofit/>
+          </a:bodyPr>
+          <a:lstStyle/>
+          <a:p>
+            <a:pPr marL="285750" indent="-285750" algn="just" defTabSz="405282" fontAlgn="base">
+              <a:lnSpc>
+                <a:spcPct val="150000"/>
+              </a:lnSpc>
+              <a:spcBef>
+                <a:spcPct val="0"/>
+              </a:spcBef>
+              <a:spcAft>
+                <a:spcPct val="0"/>
+              </a:spcAft>
+              <a:buFont typeface="Arial" panose="020B0604020202020204" pitchFamily="34" charset="0"/>
+              <a:buChar char="•"/>
+              <a:defRPr/>
+            </a:pPr>
+            <a:r>
+              <a:rPr lang="en-US" sz="1600" dirty="0">
+                <a:solidFill>
+                  <a:schemeClr val="bg1"/>
+                </a:solidFill>
+                <a:latin typeface="Segoe UI" panose="020B0502040204020203" pitchFamily="34" charset="0"/>
+                <a:ea typeface="Segoe UI" panose="020B0502040204020203" pitchFamily="34" charset="0"/>
+                <a:cs typeface="Segoe UI" panose="020B0502040204020203" pitchFamily="34" charset="0"/>
+              </a:rPr>
+              <a:t>Requirements: Find UserId (GUID) by User Name</a:t>
+            </a:r>
+          </a:p>
+          <a:p>
+            <a:pPr marL="285750" indent="-285750" algn="just" defTabSz="405282" fontAlgn="base">
+              <a:lnSpc>
+                <a:spcPct val="150000"/>
+              </a:lnSpc>
+              <a:spcBef>
+                <a:spcPct val="0"/>
+              </a:spcBef>
+              <a:spcAft>
+                <a:spcPct val="0"/>
+              </a:spcAft>
+              <a:buFont typeface="Arial" panose="020B0604020202020204" pitchFamily="34" charset="0"/>
+              <a:buChar char="•"/>
+              <a:defRPr/>
+            </a:pPr>
+            <a:r>
+              <a:rPr lang="en-US" sz="1600" dirty="0">
+                <a:solidFill>
+                  <a:schemeClr val="bg1"/>
+                </a:solidFill>
+                <a:latin typeface="Segoe UI" panose="020B0502040204020203" pitchFamily="34" charset="0"/>
+                <a:ea typeface="Segoe UI" panose="020B0502040204020203" pitchFamily="34" charset="0"/>
+                <a:cs typeface="Segoe UI" panose="020B0502040204020203" pitchFamily="34" charset="0"/>
+              </a:rPr>
+              <a:t>Solution with crmdialog</a:t>
+            </a:r>
+          </a:p>
+          <a:p>
+            <a:pPr marL="742950" lvl="1" indent="-285750" algn="just" defTabSz="405282" fontAlgn="base">
+              <a:lnSpc>
+                <a:spcPct val="150000"/>
+              </a:lnSpc>
+              <a:spcBef>
+                <a:spcPct val="0"/>
+              </a:spcBef>
+              <a:spcAft>
+                <a:spcPct val="0"/>
+              </a:spcAft>
+              <a:buFont typeface="Arial" panose="020B0604020202020204" pitchFamily="34" charset="0"/>
+              <a:buChar char="•"/>
+              <a:defRPr/>
+            </a:pPr>
+            <a:r>
+              <a:rPr lang="en-US" sz="1600" dirty="0">
+                <a:solidFill>
+                  <a:schemeClr val="bg1"/>
+                </a:solidFill>
+                <a:latin typeface="Segoe UI" panose="020B0502040204020203" pitchFamily="34" charset="0"/>
+                <a:ea typeface="Segoe UI" panose="020B0502040204020203" pitchFamily="34" charset="0"/>
+                <a:cs typeface="Segoe UI" panose="020B0502040204020203" pitchFamily="34" charset="0"/>
+              </a:rPr>
+              <a:t>Design a dialog with crmdialog app</a:t>
+            </a:r>
+          </a:p>
+          <a:p>
+            <a:pPr marL="742950" lvl="1" indent="-285750" algn="just" defTabSz="405282" fontAlgn="base">
+              <a:lnSpc>
+                <a:spcPct val="150000"/>
+              </a:lnSpc>
+              <a:spcBef>
+                <a:spcPct val="0"/>
+              </a:spcBef>
+              <a:spcAft>
+                <a:spcPct val="0"/>
+              </a:spcAft>
+              <a:buFont typeface="Arial" panose="020B0604020202020204" pitchFamily="34" charset="0"/>
+              <a:buChar char="•"/>
+              <a:defRPr/>
+            </a:pPr>
+            <a:r>
+              <a:rPr lang="en-US" sz="1600" dirty="0">
+                <a:solidFill>
+                  <a:schemeClr val="bg1"/>
+                </a:solidFill>
+                <a:latin typeface="Segoe UI" panose="020B0502040204020203" pitchFamily="34" charset="0"/>
+                <a:ea typeface="Segoe UI" panose="020B0502040204020203" pitchFamily="34" charset="0"/>
+                <a:cs typeface="Segoe UI" panose="020B0502040204020203" pitchFamily="34" charset="0"/>
+              </a:rPr>
+              <a:t>Create dialog.js webresource and deploy to CDS</a:t>
+            </a:r>
+          </a:p>
+          <a:p>
+            <a:pPr marL="742950" lvl="1" indent="-285750" algn="just" defTabSz="405282" fontAlgn="base">
+              <a:lnSpc>
+                <a:spcPct val="150000"/>
+              </a:lnSpc>
+              <a:spcBef>
+                <a:spcPct val="0"/>
+              </a:spcBef>
+              <a:spcAft>
+                <a:spcPct val="0"/>
+              </a:spcAft>
+              <a:buFont typeface="Arial" panose="020B0604020202020204" pitchFamily="34" charset="0"/>
+              <a:buChar char="•"/>
+              <a:defRPr/>
+            </a:pPr>
+            <a:r>
+              <a:rPr lang="en-US" sz="1600" dirty="0">
+                <a:solidFill>
+                  <a:schemeClr val="bg1"/>
+                </a:solidFill>
+                <a:latin typeface="Segoe UI" panose="020B0502040204020203" pitchFamily="34" charset="0"/>
+                <a:ea typeface="Segoe UI" panose="020B0502040204020203" pitchFamily="34" charset="0"/>
+                <a:cs typeface="Segoe UI" panose="020B0502040204020203" pitchFamily="34" charset="0"/>
+              </a:rPr>
+              <a:t>Import solution (downloaded from crmdialog app) to CDS</a:t>
+            </a:r>
+          </a:p>
+          <a:p>
+            <a:pPr marL="742950" lvl="1" indent="-285750" algn="just" defTabSz="405282" fontAlgn="base">
+              <a:lnSpc>
+                <a:spcPct val="150000"/>
+              </a:lnSpc>
+              <a:spcBef>
+                <a:spcPct val="0"/>
+              </a:spcBef>
+              <a:spcAft>
+                <a:spcPct val="0"/>
+              </a:spcAft>
+              <a:buFont typeface="Arial" panose="020B0604020202020204" pitchFamily="34" charset="0"/>
+              <a:buChar char="•"/>
+              <a:defRPr/>
+            </a:pPr>
+            <a:r>
+              <a:rPr lang="en-US" sz="1600" dirty="0">
+                <a:solidFill>
+                  <a:schemeClr val="bg1"/>
+                </a:solidFill>
+                <a:latin typeface="Segoe UI" panose="020B0502040204020203" pitchFamily="34" charset="0"/>
+                <a:ea typeface="Segoe UI" panose="020B0502040204020203" pitchFamily="34" charset="0"/>
+                <a:cs typeface="Segoe UI" panose="020B0502040204020203" pitchFamily="34" charset="0"/>
+              </a:rPr>
+              <a:t>Test</a:t>
+            </a:r>
+          </a:p>
+          <a:p>
+            <a:pPr marL="742950" lvl="1" indent="-285750" algn="just" defTabSz="405282" fontAlgn="base">
+              <a:lnSpc>
+                <a:spcPct val="150000"/>
+              </a:lnSpc>
+              <a:spcBef>
+                <a:spcPct val="0"/>
+              </a:spcBef>
+              <a:spcAft>
+                <a:spcPct val="0"/>
+              </a:spcAft>
+              <a:buFont typeface="Arial" panose="020B0604020202020204" pitchFamily="34" charset="0"/>
+              <a:buChar char="•"/>
+              <a:defRPr/>
+            </a:pPr>
+            <a:endParaRPr lang="en-US" sz="1600" dirty="0">
+              <a:solidFill>
+                <a:schemeClr val="bg1"/>
+              </a:solidFill>
+              <a:latin typeface="Segoe UI" panose="020B0502040204020203" pitchFamily="34" charset="0"/>
+              <a:ea typeface="Segoe UI" panose="020B0502040204020203" pitchFamily="34" charset="0"/>
+              <a:cs typeface="Segoe UI" panose="020B0502040204020203" pitchFamily="34" charset="0"/>
+            </a:endParaRPr>
+          </a:p>
+        </p:txBody>
+      </p:sp>
+      <p:pic>
+        <p:nvPicPr>
+          <p:cNvPr id="4" name="Picture 3">
+            <a:extLst>
+              <a:ext uri="{FF2B5EF4-FFF2-40B4-BE49-F238E27FC236}">
+                <a16:creationId xmlns:a16="http://schemas.microsoft.com/office/drawing/2014/main" id="{7AF6684D-C280-4863-9879-1C75E626F354}"/>
+              </a:ext>
+            </a:extLst>
+          </p:cNvPr>
+          <p:cNvPicPr>
+            <a:picLocks noChangeAspect="1"/>
+          </p:cNvPicPr>
+          <p:nvPr/>
+        </p:nvPicPr>
+        <p:blipFill>
+          <a:blip r:embed="rId2"/>
+          <a:stretch>
+            <a:fillRect/>
+          </a:stretch>
+        </p:blipFill>
+        <p:spPr>
+          <a:xfrm>
+            <a:off x="3861816" y="3084114"/>
+            <a:ext cx="5185342" cy="2684177"/>
+          </a:xfrm>
+          <a:prstGeom prst="rect">
+            <a:avLst/>
+          </a:prstGeom>
+        </p:spPr>
+      </p:pic>
+    </p:spTree>
+    <p:extLst>
+      <p:ext uri="{BB962C8B-B14F-4D97-AF65-F5344CB8AC3E}">
+        <p14:creationId xmlns:p14="http://schemas.microsoft.com/office/powerpoint/2010/main" val="2796192226"/>
+      </p:ext>
+    </p:extLst>
+  </p:cSld>
+  <p:clrMapOvr>
+    <a:masterClrMapping/>
+  </p:clrMapOvr>
+</p:sld>
+</file>
+
+<file path=ppt/slides/slide13.xml><?xml version="1.0" encoding="utf-8"?>
+<p:sld xmlns:a="http://schemas.openxmlformats.org/drawingml/2006/main" xmlns:r="http://schemas.openxmlformats.org/officeDocument/2006/relationships" xmlns:p="http://schemas.openxmlformats.org/presentationml/2006/main">
+  <p:cSld>
+    <p:bg>
+      <p:bgPr>
+        <a:solidFill>
+          <a:schemeClr val="tx2"/>
+        </a:solidFill>
+        <a:effectLst/>
+      </p:bgPr>
+    </p:bg>
+    <p:spTree>
+      <p:nvGrpSpPr>
+        <p:cNvPr id="1" name=""/>
+        <p:cNvGrpSpPr/>
+        <p:nvPr/>
+      </p:nvGrpSpPr>
+      <p:grpSpPr>
+        <a:xfrm>
+          <a:off x="0" y="0"/>
+          <a:ext cx="0" cy="0"/>
+          <a:chOff x="0" y="0"/>
+          <a:chExt cx="0" cy="0"/>
+        </a:xfrm>
+      </p:grpSpPr>
+      <p:sp>
+        <p:nvSpPr>
+          <p:cNvPr id="50" name="Rectangle 49">
+            <a:extLst>
+              <a:ext uri="{FF2B5EF4-FFF2-40B4-BE49-F238E27FC236}">
+                <a16:creationId xmlns:a16="http://schemas.microsoft.com/office/drawing/2014/main" id="{39558A2F-799C-45B0-8E6E-60E7AEBB1296}"/>
+              </a:ext>
+            </a:extLst>
+          </p:cNvPr>
+          <p:cNvSpPr/>
+          <p:nvPr/>
+        </p:nvSpPr>
+        <p:spPr>
+          <a:xfrm>
+            <a:off x="2439924" y="6578102"/>
+            <a:ext cx="2432304" cy="274320"/>
+          </a:xfrm>
+          <a:prstGeom prst="rect">
+            <a:avLst/>
+          </a:prstGeom>
+          <a:solidFill>
+            <a:schemeClr val="accent2"/>
+          </a:solidFill>
+          <a:ln>
+            <a:solidFill>
+              <a:schemeClr val="accent2"/>
+            </a:solidFill>
+          </a:ln>
+        </p:spPr>
+        <p:style>
+          <a:lnRef idx="2">
+            <a:schemeClr val="accent1">
+              <a:shade val="50000"/>
+            </a:schemeClr>
+          </a:lnRef>
+          <a:fillRef idx="1">
+            <a:schemeClr val="accent1"/>
+          </a:fillRef>
+          <a:effectRef idx="0">
+            <a:schemeClr val="accent1"/>
+          </a:effectRef>
+          <a:fontRef idx="minor">
+            <a:schemeClr val="lt1"/>
+          </a:fontRef>
+        </p:style>
+        <p:txBody>
+          <a:bodyPr rtlCol="0" anchor="ctr"/>
+          <a:lstStyle/>
+          <a:p>
+            <a:pPr algn="ctr"/>
+            <a:endParaRPr lang="en-US"/>
+          </a:p>
+        </p:txBody>
+      </p:sp>
+      <p:sp>
+        <p:nvSpPr>
+          <p:cNvPr id="48" name="Rectangle 47">
+            <a:extLst>
+              <a:ext uri="{FF2B5EF4-FFF2-40B4-BE49-F238E27FC236}">
+                <a16:creationId xmlns:a16="http://schemas.microsoft.com/office/drawing/2014/main" id="{C401FF64-9330-421B-A5E3-17BDA32BC502}"/>
+              </a:ext>
+            </a:extLst>
+          </p:cNvPr>
+          <p:cNvSpPr/>
+          <p:nvPr/>
+        </p:nvSpPr>
+        <p:spPr>
+          <a:xfrm>
+            <a:off x="0" y="6578102"/>
+            <a:ext cx="2432304" cy="274320"/>
+          </a:xfrm>
+          <a:prstGeom prst="rect">
+            <a:avLst/>
+          </a:prstGeom>
+          <a:ln>
+            <a:solidFill>
+              <a:schemeClr val="accent1"/>
+            </a:solidFill>
+          </a:ln>
+        </p:spPr>
+        <p:style>
+          <a:lnRef idx="2">
+            <a:schemeClr val="accent1">
+              <a:shade val="50000"/>
+            </a:schemeClr>
+          </a:lnRef>
+          <a:fillRef idx="1">
+            <a:schemeClr val="accent1"/>
+          </a:fillRef>
+          <a:effectRef idx="0">
+            <a:schemeClr val="accent1"/>
+          </a:effectRef>
+          <a:fontRef idx="minor">
+            <a:schemeClr val="lt1"/>
+          </a:fontRef>
+        </p:style>
+        <p:txBody>
+          <a:bodyPr rtlCol="0" anchor="ctr"/>
+          <a:lstStyle/>
+          <a:p>
+            <a:pPr algn="ctr"/>
+            <a:endParaRPr lang="en-US"/>
+          </a:p>
+        </p:txBody>
+      </p:sp>
+      <p:sp>
+        <p:nvSpPr>
+          <p:cNvPr id="52" name="Rectangle 51">
+            <a:extLst>
+              <a:ext uri="{FF2B5EF4-FFF2-40B4-BE49-F238E27FC236}">
+                <a16:creationId xmlns:a16="http://schemas.microsoft.com/office/drawing/2014/main" id="{BE564532-F536-4FA6-8777-87BE7FC43341}"/>
+              </a:ext>
+            </a:extLst>
+          </p:cNvPr>
+          <p:cNvSpPr/>
+          <p:nvPr/>
+        </p:nvSpPr>
+        <p:spPr>
+          <a:xfrm>
+            <a:off x="4879848" y="6578102"/>
+            <a:ext cx="2432304" cy="274320"/>
+          </a:xfrm>
+          <a:prstGeom prst="rect">
+            <a:avLst/>
+          </a:prstGeom>
+          <a:solidFill>
+            <a:schemeClr val="accent3"/>
+          </a:solidFill>
+          <a:ln>
+            <a:solidFill>
+              <a:schemeClr val="accent3"/>
+            </a:solidFill>
+          </a:ln>
+        </p:spPr>
+        <p:style>
+          <a:lnRef idx="2">
+            <a:schemeClr val="accent1">
+              <a:shade val="50000"/>
+            </a:schemeClr>
+          </a:lnRef>
+          <a:fillRef idx="1">
+            <a:schemeClr val="accent1"/>
+          </a:fillRef>
+          <a:effectRef idx="0">
+            <a:schemeClr val="accent1"/>
+          </a:effectRef>
+          <a:fontRef idx="minor">
+            <a:schemeClr val="lt1"/>
+          </a:fontRef>
+        </p:style>
+        <p:txBody>
+          <a:bodyPr rtlCol="0" anchor="ctr"/>
+          <a:lstStyle/>
+          <a:p>
+            <a:pPr algn="ctr"/>
+            <a:endParaRPr lang="en-US"/>
+          </a:p>
+        </p:txBody>
+      </p:sp>
+      <p:sp>
+        <p:nvSpPr>
+          <p:cNvPr id="54" name="Rectangle 53">
+            <a:extLst>
+              <a:ext uri="{FF2B5EF4-FFF2-40B4-BE49-F238E27FC236}">
+                <a16:creationId xmlns:a16="http://schemas.microsoft.com/office/drawing/2014/main" id="{1D869553-6FA0-4150-9086-CD4CD08A85B2}"/>
+              </a:ext>
+            </a:extLst>
+          </p:cNvPr>
+          <p:cNvSpPr/>
+          <p:nvPr/>
+        </p:nvSpPr>
+        <p:spPr>
+          <a:xfrm>
+            <a:off x="7319772" y="6578102"/>
+            <a:ext cx="2432304" cy="274320"/>
+          </a:xfrm>
+          <a:prstGeom prst="rect">
+            <a:avLst/>
+          </a:prstGeom>
+          <a:solidFill>
+            <a:schemeClr val="accent4"/>
+          </a:solidFill>
+          <a:ln>
+            <a:solidFill>
+              <a:schemeClr val="accent4"/>
+            </a:solidFill>
+          </a:ln>
+        </p:spPr>
+        <p:style>
+          <a:lnRef idx="2">
+            <a:schemeClr val="accent1">
+              <a:shade val="50000"/>
+            </a:schemeClr>
+          </a:lnRef>
+          <a:fillRef idx="1">
+            <a:schemeClr val="accent1"/>
+          </a:fillRef>
+          <a:effectRef idx="0">
+            <a:schemeClr val="accent1"/>
+          </a:effectRef>
+          <a:fontRef idx="minor">
+            <a:schemeClr val="lt1"/>
+          </a:fontRef>
+        </p:style>
+        <p:txBody>
+          <a:bodyPr rtlCol="0" anchor="ctr"/>
+          <a:lstStyle/>
+          <a:p>
+            <a:pPr algn="ctr"/>
+            <a:endParaRPr lang="en-US"/>
+          </a:p>
+        </p:txBody>
+      </p:sp>
+      <p:sp>
+        <p:nvSpPr>
+          <p:cNvPr id="56" name="Rectangle 55">
+            <a:extLst>
+              <a:ext uri="{FF2B5EF4-FFF2-40B4-BE49-F238E27FC236}">
+                <a16:creationId xmlns:a16="http://schemas.microsoft.com/office/drawing/2014/main" id="{1DE3E71E-06A1-4094-93E0-63110D411011}"/>
+              </a:ext>
+            </a:extLst>
+          </p:cNvPr>
+          <p:cNvSpPr/>
+          <p:nvPr/>
+        </p:nvSpPr>
+        <p:spPr>
+          <a:xfrm>
+            <a:off x="9759696" y="6578102"/>
+            <a:ext cx="2432304" cy="274320"/>
+          </a:xfrm>
+          <a:prstGeom prst="rect">
+            <a:avLst/>
+          </a:prstGeom>
+          <a:solidFill>
+            <a:schemeClr val="accent5"/>
+          </a:solidFill>
+          <a:ln>
+            <a:solidFill>
+              <a:schemeClr val="accent5"/>
+            </a:solidFill>
+          </a:ln>
+        </p:spPr>
+        <p:style>
+          <a:lnRef idx="2">
+            <a:schemeClr val="accent1">
+              <a:shade val="50000"/>
+            </a:schemeClr>
+          </a:lnRef>
+          <a:fillRef idx="1">
+            <a:schemeClr val="accent1"/>
+          </a:fillRef>
+          <a:effectRef idx="0">
+            <a:schemeClr val="accent1"/>
+          </a:effectRef>
+          <a:fontRef idx="minor">
+            <a:schemeClr val="lt1"/>
+          </a:fontRef>
+        </p:style>
+        <p:txBody>
+          <a:bodyPr rtlCol="0" anchor="ctr"/>
+          <a:lstStyle/>
+          <a:p>
+            <a:pPr algn="ctr"/>
+            <a:endParaRPr lang="en-US"/>
+          </a:p>
+        </p:txBody>
+      </p:sp>
+      <p:sp>
+        <p:nvSpPr>
+          <p:cNvPr id="58" name="Rectangle 57">
+            <a:extLst>
+              <a:ext uri="{FF2B5EF4-FFF2-40B4-BE49-F238E27FC236}">
+                <a16:creationId xmlns:a16="http://schemas.microsoft.com/office/drawing/2014/main" id="{77D687CE-23B2-4F39-AF5B-60A4BDC7A993}"/>
+              </a:ext>
+            </a:extLst>
+          </p:cNvPr>
+          <p:cNvSpPr/>
+          <p:nvPr/>
+        </p:nvSpPr>
+        <p:spPr bwMode="auto">
+          <a:xfrm>
+            <a:off x="10051664" y="6074405"/>
+            <a:ext cx="2013336" cy="467046"/>
+          </a:xfrm>
+          <a:prstGeom prst="rect">
+            <a:avLst/>
+          </a:prstGeom>
+          <a:noFill/>
+          <a:ln>
+            <a:noFill/>
+            <a:headEnd type="none" w="med" len="med"/>
+            <a:tailEnd type="none" w="med" len="med"/>
+          </a:ln>
+          <a:effectLst/>
+        </p:spPr>
+        <p:style>
+          <a:lnRef idx="1">
+            <a:schemeClr val="accent2"/>
+          </a:lnRef>
+          <a:fillRef idx="3">
+            <a:schemeClr val="accent2"/>
+          </a:fillRef>
+          <a:effectRef idx="2">
+            <a:schemeClr val="accent2"/>
+          </a:effectRef>
+          <a:fontRef idx="minor">
+            <a:schemeClr val="lt1"/>
+          </a:fontRef>
+        </p:style>
+        <p:txBody>
+          <a:bodyPr rot="0" spcFirstLastPara="0" vertOverflow="overflow" horzOverflow="overflow" vert="horz" wrap="square" lIns="0" tIns="0" rIns="0" bIns="0" numCol="1" spcCol="0" rtlCol="0" fromWordArt="0" anchor="t" anchorCtr="0" forceAA="0" compatLnSpc="1">
+            <a:prstTxWarp prst="textNoShape">
+              <a:avLst/>
+            </a:prstTxWarp>
+            <a:noAutofit/>
+          </a:bodyPr>
+          <a:lstStyle/>
+          <a:p>
+            <a:pPr algn="r" defTabSz="405282" fontAlgn="base">
+              <a:spcBef>
+                <a:spcPct val="0"/>
+              </a:spcBef>
+              <a:spcAft>
+                <a:spcPct val="0"/>
+              </a:spcAft>
+              <a:defRPr/>
+            </a:pPr>
+            <a:r>
+              <a:rPr lang="en-US" sz="1200" dirty="0">
+                <a:solidFill>
+                  <a:schemeClr val="bg1">
+                    <a:lumMod val="75000"/>
+                  </a:schemeClr>
+                </a:solidFill>
+                <a:latin typeface="Segoe UI Semibold"/>
+                <a:ea typeface="Segoe UI" pitchFamily="34" charset="0"/>
+                <a:cs typeface="Segoe UI"/>
+              </a:rPr>
+              <a:t>#D365PPVN</a:t>
+            </a:r>
+          </a:p>
+          <a:p>
+            <a:pPr algn="r" defTabSz="405282" fontAlgn="base">
+              <a:spcBef>
+                <a:spcPct val="0"/>
+              </a:spcBef>
+              <a:spcAft>
+                <a:spcPct val="0"/>
+              </a:spcAft>
+              <a:defRPr/>
+            </a:pPr>
+            <a:r>
+              <a:rPr lang="en-US" sz="1200" dirty="0">
+                <a:solidFill>
+                  <a:schemeClr val="bg1">
+                    <a:lumMod val="75000"/>
+                  </a:schemeClr>
+                </a:solidFill>
+                <a:latin typeface="Segoe UI Semibold"/>
+                <a:ea typeface="Segoe UI" pitchFamily="34" charset="0"/>
+                <a:cs typeface="Segoe UI"/>
+              </a:rPr>
+              <a:t>#ASEANSMSBizAppsUG</a:t>
+            </a:r>
+          </a:p>
+        </p:txBody>
+      </p:sp>
+      <p:sp>
+        <p:nvSpPr>
+          <p:cNvPr id="3" name="Rectangle 2">
+            <a:extLst>
+              <a:ext uri="{FF2B5EF4-FFF2-40B4-BE49-F238E27FC236}">
+                <a16:creationId xmlns:a16="http://schemas.microsoft.com/office/drawing/2014/main" id="{6C188753-7F27-499A-A7C9-3E73FE2504B0}"/>
+              </a:ext>
+            </a:extLst>
+          </p:cNvPr>
+          <p:cNvSpPr/>
+          <p:nvPr/>
+        </p:nvSpPr>
+        <p:spPr bwMode="auto">
+          <a:xfrm>
             <a:off x="2407452" y="2532753"/>
             <a:ext cx="7377095" cy="896247"/>
           </a:xfrm>
@@ -6711,7 +7745,7 @@
 </p:sld>
 </file>
 
-<file path=ppt/slides/slide13.xml><?xml version="1.0" encoding="utf-8"?>
+<file path=ppt/slides/slide14.xml><?xml version="1.0" encoding="utf-8"?>
 <p:sld xmlns:a="http://schemas.openxmlformats.org/drawingml/2006/main" xmlns:r="http://schemas.openxmlformats.org/officeDocument/2006/relationships" xmlns:p="http://schemas.openxmlformats.org/presentationml/2006/main">
   <p:cSld>
     <p:bg>
@@ -15173,29 +16207,7 @@
                 <a:ea typeface="Segoe UI" panose="020B0502040204020203" pitchFamily="34" charset="0"/>
                 <a:cs typeface="Segoe UI" panose="020B0502040204020203" pitchFamily="34" charset="0"/>
               </a:rPr>
-              <a:t>Development of custom Html/JS </a:t>
-            </a:r>
-            <a:r>
-              <a:rPr lang="en-US" sz="1600" dirty="0" err="1">
-                <a:solidFill>
-                  <a:schemeClr val="bg1"/>
-                </a:solidFill>
-                <a:latin typeface="Segoe UI" panose="020B0502040204020203" pitchFamily="34" charset="0"/>
-                <a:ea typeface="Segoe UI" panose="020B0502040204020203" pitchFamily="34" charset="0"/>
-                <a:cs typeface="Segoe UI" panose="020B0502040204020203" pitchFamily="34" charset="0"/>
-              </a:rPr>
-              <a:t>Webresources</a:t>
-            </a:r>
-            <a:r>
-              <a:rPr lang="en-US" sz="1600" dirty="0">
-                <a:solidFill>
-                  <a:schemeClr val="bg1"/>
-                </a:solidFill>
-                <a:latin typeface="Segoe UI" panose="020B0502040204020203" pitchFamily="34" charset="0"/>
-                <a:ea typeface="Segoe UI" panose="020B0502040204020203" pitchFamily="34" charset="0"/>
-                <a:cs typeface="Segoe UI" panose="020B0502040204020203" pitchFamily="34" charset="0"/>
-              </a:rPr>
-              <a:t> with help of modern frameworks (</a:t>
+              <a:t>Development of custom Html/JS Webresources with help of modern frameworks (</a:t>
             </a:r>
             <a:r>
               <a:rPr lang="en-US" sz="1600" dirty="0">
@@ -16857,6 +17869,751 @@
                 <a:ea typeface="Segoe UI" pitchFamily="34" charset="0"/>
                 <a:cs typeface="Segoe UI"/>
               </a:rPr>
+              <a:t>User build a custom dialog</a:t>
+            </a:r>
+            <a:endParaRPr lang="en-US" sz="2800" b="1" dirty="0">
+              <a:solidFill>
+                <a:schemeClr val="bg1"/>
+              </a:solidFill>
+              <a:latin typeface="Segoe UI"/>
+              <a:ea typeface="Segoe UI" pitchFamily="34" charset="0"/>
+              <a:cs typeface="Segoe UI"/>
+            </a:endParaRPr>
+          </a:p>
+        </p:txBody>
+      </p:sp>
+      <p:pic>
+        <p:nvPicPr>
+          <p:cNvPr id="5" name="Picture 4">
+            <a:extLst>
+              <a:ext uri="{FF2B5EF4-FFF2-40B4-BE49-F238E27FC236}">
+                <a16:creationId xmlns:a16="http://schemas.microsoft.com/office/drawing/2014/main" id="{768B99A7-15BA-4134-BDBC-172490195E4B}"/>
+              </a:ext>
+            </a:extLst>
+          </p:cNvPr>
+          <p:cNvPicPr>
+            <a:picLocks noChangeAspect="1"/>
+          </p:cNvPicPr>
+          <p:nvPr/>
+        </p:nvPicPr>
+        <p:blipFill>
+          <a:blip r:embed="rId2"/>
+          <a:stretch>
+            <a:fillRect/>
+          </a:stretch>
+        </p:blipFill>
+        <p:spPr>
+          <a:xfrm>
+            <a:off x="5882833" y="478555"/>
+            <a:ext cx="4223634" cy="2950445"/>
+          </a:xfrm>
+          <a:prstGeom prst="rect">
+            <a:avLst/>
+          </a:prstGeom>
+        </p:spPr>
+      </p:pic>
+      <p:pic>
+        <p:nvPicPr>
+          <p:cNvPr id="2" name="Picture 1">
+            <a:extLst>
+              <a:ext uri="{FF2B5EF4-FFF2-40B4-BE49-F238E27FC236}">
+                <a16:creationId xmlns:a16="http://schemas.microsoft.com/office/drawing/2014/main" id="{D3F4C9D2-4DCB-45CA-9FCE-E6C7FA1B8C2E}"/>
+              </a:ext>
+            </a:extLst>
+          </p:cNvPr>
+          <p:cNvPicPr>
+            <a:picLocks noChangeAspect="1"/>
+          </p:cNvPicPr>
+          <p:nvPr/>
+        </p:nvPicPr>
+        <p:blipFill>
+          <a:blip r:embed="rId3"/>
+          <a:stretch>
+            <a:fillRect/>
+          </a:stretch>
+        </p:blipFill>
+        <p:spPr>
+          <a:xfrm>
+            <a:off x="389568" y="828223"/>
+            <a:ext cx="11222364" cy="4261754"/>
+          </a:xfrm>
+          <a:prstGeom prst="rect">
+            <a:avLst/>
+          </a:prstGeom>
+        </p:spPr>
+      </p:pic>
+      <p:pic>
+        <p:nvPicPr>
+          <p:cNvPr id="6" name="Picture 5">
+            <a:extLst>
+              <a:ext uri="{FF2B5EF4-FFF2-40B4-BE49-F238E27FC236}">
+                <a16:creationId xmlns:a16="http://schemas.microsoft.com/office/drawing/2014/main" id="{9E6E971D-BE25-45E0-B9FB-9C6DE5DB4207}"/>
+              </a:ext>
+            </a:extLst>
+          </p:cNvPr>
+          <p:cNvPicPr>
+            <a:picLocks noChangeAspect="1"/>
+          </p:cNvPicPr>
+          <p:nvPr/>
+        </p:nvPicPr>
+        <p:blipFill>
+          <a:blip r:embed="rId4"/>
+          <a:stretch>
+            <a:fillRect/>
+          </a:stretch>
+        </p:blipFill>
+        <p:spPr>
+          <a:xfrm>
+            <a:off x="1896735" y="230817"/>
+            <a:ext cx="7509530" cy="6243965"/>
+          </a:xfrm>
+          <a:prstGeom prst="rect">
+            <a:avLst/>
+          </a:prstGeom>
+        </p:spPr>
+      </p:pic>
+    </p:spTree>
+    <p:extLst>
+      <p:ext uri="{BB962C8B-B14F-4D97-AF65-F5344CB8AC3E}">
+        <p14:creationId xmlns:p14="http://schemas.microsoft.com/office/powerpoint/2010/main" val="1868620152"/>
+      </p:ext>
+    </p:extLst>
+  </p:cSld>
+  <p:clrMapOvr>
+    <a:masterClrMapping/>
+  </p:clrMapOvr>
+  <p:timing>
+    <p:tnLst>
+      <p:par>
+        <p:cTn id="1" dur="indefinite" restart="never" nodeType="tmRoot">
+          <p:childTnLst>
+            <p:seq concurrent="1" nextAc="seek">
+              <p:cTn id="2" dur="indefinite" nodeType="mainSeq">
+                <p:childTnLst>
+                  <p:par>
+                    <p:cTn id="3" fill="hold">
+                      <p:stCondLst>
+                        <p:cond delay="indefinite"/>
+                      </p:stCondLst>
+                      <p:childTnLst>
+                        <p:par>
+                          <p:cTn id="4" fill="hold">
+                            <p:stCondLst>
+                              <p:cond delay="0"/>
+                            </p:stCondLst>
+                            <p:childTnLst>
+                              <p:par>
+                                <p:cTn id="5" presetID="1" presetClass="entr" presetSubtype="0" fill="hold" nodeType="clickEffect">
+                                  <p:stCondLst>
+                                    <p:cond delay="0"/>
+                                  </p:stCondLst>
+                                  <p:childTnLst>
+                                    <p:set>
+                                      <p:cBhvr>
+                                        <p:cTn id="6" dur="1" fill="hold">
+                                          <p:stCondLst>
+                                            <p:cond delay="0"/>
+                                          </p:stCondLst>
+                                        </p:cTn>
+                                        <p:tgtEl>
+                                          <p:spTgt spid="5"/>
+                                        </p:tgtEl>
+                                        <p:attrNameLst>
+                                          <p:attrName>style.visibility</p:attrName>
+                                        </p:attrNameLst>
+                                      </p:cBhvr>
+                                      <p:to>
+                                        <p:strVal val="visible"/>
+                                      </p:to>
+                                    </p:set>
+                                  </p:childTnLst>
+                                </p:cTn>
+                              </p:par>
+                            </p:childTnLst>
+                          </p:cTn>
+                        </p:par>
+                      </p:childTnLst>
+                    </p:cTn>
+                  </p:par>
+                  <p:par>
+                    <p:cTn id="7" fill="hold">
+                      <p:stCondLst>
+                        <p:cond delay="indefinite"/>
+                      </p:stCondLst>
+                      <p:childTnLst>
+                        <p:par>
+                          <p:cTn id="8" fill="hold">
+                            <p:stCondLst>
+                              <p:cond delay="0"/>
+                            </p:stCondLst>
+                            <p:childTnLst>
+                              <p:par>
+                                <p:cTn id="9" presetID="1" presetClass="entr" presetSubtype="0" fill="hold" nodeType="clickEffect">
+                                  <p:stCondLst>
+                                    <p:cond delay="0"/>
+                                  </p:stCondLst>
+                                  <p:childTnLst>
+                                    <p:set>
+                                      <p:cBhvr>
+                                        <p:cTn id="10" dur="1" fill="hold">
+                                          <p:stCondLst>
+                                            <p:cond delay="0"/>
+                                          </p:stCondLst>
+                                        </p:cTn>
+                                        <p:tgtEl>
+                                          <p:spTgt spid="2"/>
+                                        </p:tgtEl>
+                                        <p:attrNameLst>
+                                          <p:attrName>style.visibility</p:attrName>
+                                        </p:attrNameLst>
+                                      </p:cBhvr>
+                                      <p:to>
+                                        <p:strVal val="visible"/>
+                                      </p:to>
+                                    </p:set>
+                                  </p:childTnLst>
+                                </p:cTn>
+                              </p:par>
+                            </p:childTnLst>
+                          </p:cTn>
+                        </p:par>
+                      </p:childTnLst>
+                    </p:cTn>
+                  </p:par>
+                  <p:par>
+                    <p:cTn id="11" fill="hold">
+                      <p:stCondLst>
+                        <p:cond delay="indefinite"/>
+                      </p:stCondLst>
+                      <p:childTnLst>
+                        <p:par>
+                          <p:cTn id="12" fill="hold">
+                            <p:stCondLst>
+                              <p:cond delay="0"/>
+                            </p:stCondLst>
+                            <p:childTnLst>
+                              <p:par>
+                                <p:cTn id="13" presetID="1" presetClass="entr" presetSubtype="0" fill="hold" nodeType="clickEffect">
+                                  <p:stCondLst>
+                                    <p:cond delay="0"/>
+                                  </p:stCondLst>
+                                  <p:childTnLst>
+                                    <p:set>
+                                      <p:cBhvr>
+                                        <p:cTn id="14" dur="1" fill="hold">
+                                          <p:stCondLst>
+                                            <p:cond delay="0"/>
+                                          </p:stCondLst>
+                                        </p:cTn>
+                                        <p:tgtEl>
+                                          <p:spTgt spid="6"/>
+                                        </p:tgtEl>
+                                        <p:attrNameLst>
+                                          <p:attrName>style.visibility</p:attrName>
+                                        </p:attrNameLst>
+                                      </p:cBhvr>
+                                      <p:to>
+                                        <p:strVal val="visible"/>
+                                      </p:to>
+                                    </p:set>
+                                  </p:childTnLst>
+                                </p:cTn>
+                              </p:par>
+                            </p:childTnLst>
+                          </p:cTn>
+                        </p:par>
+                      </p:childTnLst>
+                    </p:cTn>
+                  </p:par>
+                </p:childTnLst>
+              </p:cTn>
+              <p:prevCondLst>
+                <p:cond evt="onPrev" delay="0">
+                  <p:tgtEl>
+                    <p:sldTgt/>
+                  </p:tgtEl>
+                </p:cond>
+              </p:prevCondLst>
+              <p:nextCondLst>
+                <p:cond evt="onNext" delay="0">
+                  <p:tgtEl>
+                    <p:sldTgt/>
+                  </p:tgtEl>
+                </p:cond>
+              </p:nextCondLst>
+            </p:seq>
+          </p:childTnLst>
+        </p:cTn>
+      </p:par>
+    </p:tnLst>
+  </p:timing>
+</p:sld>
+</file>
+
+<file path=ppt/slides/slide9.xml><?xml version="1.0" encoding="utf-8"?>
+<p:sld xmlns:a="http://schemas.openxmlformats.org/drawingml/2006/main" xmlns:r="http://schemas.openxmlformats.org/officeDocument/2006/relationships" xmlns:p="http://schemas.openxmlformats.org/presentationml/2006/main">
+  <p:cSld>
+    <p:bg>
+      <p:bgPr>
+        <a:solidFill>
+          <a:schemeClr val="tx2"/>
+        </a:solidFill>
+        <a:effectLst/>
+      </p:bgPr>
+    </p:bg>
+    <p:spTree>
+      <p:nvGrpSpPr>
+        <p:cNvPr id="1" name=""/>
+        <p:cNvGrpSpPr/>
+        <p:nvPr/>
+      </p:nvGrpSpPr>
+      <p:grpSpPr>
+        <a:xfrm>
+          <a:off x="0" y="0"/>
+          <a:ext cx="0" cy="0"/>
+          <a:chOff x="0" y="0"/>
+          <a:chExt cx="0" cy="0"/>
+        </a:xfrm>
+      </p:grpSpPr>
+      <p:sp>
+        <p:nvSpPr>
+          <p:cNvPr id="50" name="Rectangle 49">
+            <a:extLst>
+              <a:ext uri="{FF2B5EF4-FFF2-40B4-BE49-F238E27FC236}">
+                <a16:creationId xmlns:a16="http://schemas.microsoft.com/office/drawing/2014/main" id="{39558A2F-799C-45B0-8E6E-60E7AEBB1296}"/>
+              </a:ext>
+            </a:extLst>
+          </p:cNvPr>
+          <p:cNvSpPr/>
+          <p:nvPr/>
+        </p:nvSpPr>
+        <p:spPr>
+          <a:xfrm>
+            <a:off x="2439924" y="6578102"/>
+            <a:ext cx="2432304" cy="274320"/>
+          </a:xfrm>
+          <a:prstGeom prst="rect">
+            <a:avLst/>
+          </a:prstGeom>
+          <a:solidFill>
+            <a:schemeClr val="accent2"/>
+          </a:solidFill>
+          <a:ln>
+            <a:solidFill>
+              <a:schemeClr val="accent2"/>
+            </a:solidFill>
+          </a:ln>
+        </p:spPr>
+        <p:style>
+          <a:lnRef idx="2">
+            <a:schemeClr val="accent1">
+              <a:shade val="50000"/>
+            </a:schemeClr>
+          </a:lnRef>
+          <a:fillRef idx="1">
+            <a:schemeClr val="accent1"/>
+          </a:fillRef>
+          <a:effectRef idx="0">
+            <a:schemeClr val="accent1"/>
+          </a:effectRef>
+          <a:fontRef idx="minor">
+            <a:schemeClr val="lt1"/>
+          </a:fontRef>
+        </p:style>
+        <p:txBody>
+          <a:bodyPr rtlCol="0" anchor="ctr"/>
+          <a:lstStyle/>
+          <a:p>
+            <a:pPr algn="ctr"/>
+            <a:endParaRPr lang="en-US"/>
+          </a:p>
+        </p:txBody>
+      </p:sp>
+      <p:sp>
+        <p:nvSpPr>
+          <p:cNvPr id="48" name="Rectangle 47">
+            <a:extLst>
+              <a:ext uri="{FF2B5EF4-FFF2-40B4-BE49-F238E27FC236}">
+                <a16:creationId xmlns:a16="http://schemas.microsoft.com/office/drawing/2014/main" id="{C401FF64-9330-421B-A5E3-17BDA32BC502}"/>
+              </a:ext>
+            </a:extLst>
+          </p:cNvPr>
+          <p:cNvSpPr/>
+          <p:nvPr/>
+        </p:nvSpPr>
+        <p:spPr>
+          <a:xfrm>
+            <a:off x="0" y="6578102"/>
+            <a:ext cx="2432304" cy="274320"/>
+          </a:xfrm>
+          <a:prstGeom prst="rect">
+            <a:avLst/>
+          </a:prstGeom>
+          <a:ln>
+            <a:solidFill>
+              <a:schemeClr val="accent1"/>
+            </a:solidFill>
+          </a:ln>
+        </p:spPr>
+        <p:style>
+          <a:lnRef idx="2">
+            <a:schemeClr val="accent1">
+              <a:shade val="50000"/>
+            </a:schemeClr>
+          </a:lnRef>
+          <a:fillRef idx="1">
+            <a:schemeClr val="accent1"/>
+          </a:fillRef>
+          <a:effectRef idx="0">
+            <a:schemeClr val="accent1"/>
+          </a:effectRef>
+          <a:fontRef idx="minor">
+            <a:schemeClr val="lt1"/>
+          </a:fontRef>
+        </p:style>
+        <p:txBody>
+          <a:bodyPr rtlCol="0" anchor="ctr"/>
+          <a:lstStyle/>
+          <a:p>
+            <a:pPr algn="ctr"/>
+            <a:endParaRPr lang="en-US"/>
+          </a:p>
+        </p:txBody>
+      </p:sp>
+      <p:sp>
+        <p:nvSpPr>
+          <p:cNvPr id="52" name="Rectangle 51">
+            <a:extLst>
+              <a:ext uri="{FF2B5EF4-FFF2-40B4-BE49-F238E27FC236}">
+                <a16:creationId xmlns:a16="http://schemas.microsoft.com/office/drawing/2014/main" id="{BE564532-F536-4FA6-8777-87BE7FC43341}"/>
+              </a:ext>
+            </a:extLst>
+          </p:cNvPr>
+          <p:cNvSpPr/>
+          <p:nvPr/>
+        </p:nvSpPr>
+        <p:spPr>
+          <a:xfrm>
+            <a:off x="4879848" y="6578102"/>
+            <a:ext cx="2432304" cy="274320"/>
+          </a:xfrm>
+          <a:prstGeom prst="rect">
+            <a:avLst/>
+          </a:prstGeom>
+          <a:solidFill>
+            <a:schemeClr val="accent3"/>
+          </a:solidFill>
+          <a:ln>
+            <a:solidFill>
+              <a:schemeClr val="accent3"/>
+            </a:solidFill>
+          </a:ln>
+        </p:spPr>
+        <p:style>
+          <a:lnRef idx="2">
+            <a:schemeClr val="accent1">
+              <a:shade val="50000"/>
+            </a:schemeClr>
+          </a:lnRef>
+          <a:fillRef idx="1">
+            <a:schemeClr val="accent1"/>
+          </a:fillRef>
+          <a:effectRef idx="0">
+            <a:schemeClr val="accent1"/>
+          </a:effectRef>
+          <a:fontRef idx="minor">
+            <a:schemeClr val="lt1"/>
+          </a:fontRef>
+        </p:style>
+        <p:txBody>
+          <a:bodyPr rtlCol="0" anchor="ctr"/>
+          <a:lstStyle/>
+          <a:p>
+            <a:pPr algn="ctr"/>
+            <a:endParaRPr lang="en-US"/>
+          </a:p>
+        </p:txBody>
+      </p:sp>
+      <p:sp>
+        <p:nvSpPr>
+          <p:cNvPr id="54" name="Rectangle 53">
+            <a:extLst>
+              <a:ext uri="{FF2B5EF4-FFF2-40B4-BE49-F238E27FC236}">
+                <a16:creationId xmlns:a16="http://schemas.microsoft.com/office/drawing/2014/main" id="{1D869553-6FA0-4150-9086-CD4CD08A85B2}"/>
+              </a:ext>
+            </a:extLst>
+          </p:cNvPr>
+          <p:cNvSpPr/>
+          <p:nvPr/>
+        </p:nvSpPr>
+        <p:spPr>
+          <a:xfrm>
+            <a:off x="7319772" y="6578102"/>
+            <a:ext cx="2432304" cy="274320"/>
+          </a:xfrm>
+          <a:prstGeom prst="rect">
+            <a:avLst/>
+          </a:prstGeom>
+          <a:solidFill>
+            <a:schemeClr val="accent4"/>
+          </a:solidFill>
+          <a:ln>
+            <a:solidFill>
+              <a:schemeClr val="accent4"/>
+            </a:solidFill>
+          </a:ln>
+        </p:spPr>
+        <p:style>
+          <a:lnRef idx="2">
+            <a:schemeClr val="accent1">
+              <a:shade val="50000"/>
+            </a:schemeClr>
+          </a:lnRef>
+          <a:fillRef idx="1">
+            <a:schemeClr val="accent1"/>
+          </a:fillRef>
+          <a:effectRef idx="0">
+            <a:schemeClr val="accent1"/>
+          </a:effectRef>
+          <a:fontRef idx="minor">
+            <a:schemeClr val="lt1"/>
+          </a:fontRef>
+        </p:style>
+        <p:txBody>
+          <a:bodyPr rtlCol="0" anchor="ctr"/>
+          <a:lstStyle/>
+          <a:p>
+            <a:pPr algn="ctr"/>
+            <a:endParaRPr lang="en-US"/>
+          </a:p>
+        </p:txBody>
+      </p:sp>
+      <p:sp>
+        <p:nvSpPr>
+          <p:cNvPr id="56" name="Rectangle 55">
+            <a:extLst>
+              <a:ext uri="{FF2B5EF4-FFF2-40B4-BE49-F238E27FC236}">
+                <a16:creationId xmlns:a16="http://schemas.microsoft.com/office/drawing/2014/main" id="{1DE3E71E-06A1-4094-93E0-63110D411011}"/>
+              </a:ext>
+            </a:extLst>
+          </p:cNvPr>
+          <p:cNvSpPr/>
+          <p:nvPr/>
+        </p:nvSpPr>
+        <p:spPr>
+          <a:xfrm>
+            <a:off x="9759696" y="6578102"/>
+            <a:ext cx="2432304" cy="274320"/>
+          </a:xfrm>
+          <a:prstGeom prst="rect">
+            <a:avLst/>
+          </a:prstGeom>
+          <a:solidFill>
+            <a:schemeClr val="accent5"/>
+          </a:solidFill>
+          <a:ln>
+            <a:solidFill>
+              <a:schemeClr val="accent5"/>
+            </a:solidFill>
+          </a:ln>
+        </p:spPr>
+        <p:style>
+          <a:lnRef idx="2">
+            <a:schemeClr val="accent1">
+              <a:shade val="50000"/>
+            </a:schemeClr>
+          </a:lnRef>
+          <a:fillRef idx="1">
+            <a:schemeClr val="accent1"/>
+          </a:fillRef>
+          <a:effectRef idx="0">
+            <a:schemeClr val="accent1"/>
+          </a:effectRef>
+          <a:fontRef idx="minor">
+            <a:schemeClr val="lt1"/>
+          </a:fontRef>
+        </p:style>
+        <p:txBody>
+          <a:bodyPr rtlCol="0" anchor="ctr"/>
+          <a:lstStyle/>
+          <a:p>
+            <a:pPr algn="ctr"/>
+            <a:endParaRPr lang="en-US"/>
+          </a:p>
+        </p:txBody>
+      </p:sp>
+      <p:sp>
+        <p:nvSpPr>
+          <p:cNvPr id="58" name="Rectangle 57">
+            <a:extLst>
+              <a:ext uri="{FF2B5EF4-FFF2-40B4-BE49-F238E27FC236}">
+                <a16:creationId xmlns:a16="http://schemas.microsoft.com/office/drawing/2014/main" id="{77D687CE-23B2-4F39-AF5B-60A4BDC7A993}"/>
+              </a:ext>
+            </a:extLst>
+          </p:cNvPr>
+          <p:cNvSpPr/>
+          <p:nvPr/>
+        </p:nvSpPr>
+        <p:spPr bwMode="auto">
+          <a:xfrm>
+            <a:off x="10051664" y="6074405"/>
+            <a:ext cx="2013336" cy="467046"/>
+          </a:xfrm>
+          <a:prstGeom prst="rect">
+            <a:avLst/>
+          </a:prstGeom>
+          <a:noFill/>
+          <a:ln>
+            <a:noFill/>
+            <a:headEnd type="none" w="med" len="med"/>
+            <a:tailEnd type="none" w="med" len="med"/>
+          </a:ln>
+          <a:effectLst/>
+        </p:spPr>
+        <p:style>
+          <a:lnRef idx="1">
+            <a:schemeClr val="accent2"/>
+          </a:lnRef>
+          <a:fillRef idx="3">
+            <a:schemeClr val="accent2"/>
+          </a:fillRef>
+          <a:effectRef idx="2">
+            <a:schemeClr val="accent2"/>
+          </a:effectRef>
+          <a:fontRef idx="minor">
+            <a:schemeClr val="lt1"/>
+          </a:fontRef>
+        </p:style>
+        <p:txBody>
+          <a:bodyPr rot="0" spcFirstLastPara="0" vertOverflow="overflow" horzOverflow="overflow" vert="horz" wrap="square" lIns="0" tIns="0" rIns="0" bIns="0" numCol="1" spcCol="0" rtlCol="0" fromWordArt="0" anchor="t" anchorCtr="0" forceAA="0" compatLnSpc="1">
+            <a:prstTxWarp prst="textNoShape">
+              <a:avLst/>
+            </a:prstTxWarp>
+            <a:noAutofit/>
+          </a:bodyPr>
+          <a:lstStyle/>
+          <a:p>
+            <a:pPr algn="r" defTabSz="405282" fontAlgn="base">
+              <a:spcBef>
+                <a:spcPct val="0"/>
+              </a:spcBef>
+              <a:spcAft>
+                <a:spcPct val="0"/>
+              </a:spcAft>
+              <a:defRPr/>
+            </a:pPr>
+            <a:r>
+              <a:rPr lang="en-US" sz="1200" dirty="0">
+                <a:solidFill>
+                  <a:schemeClr val="bg1">
+                    <a:lumMod val="75000"/>
+                  </a:schemeClr>
+                </a:solidFill>
+                <a:latin typeface="Segoe UI Semibold"/>
+                <a:ea typeface="Segoe UI" pitchFamily="34" charset="0"/>
+                <a:cs typeface="Segoe UI"/>
+              </a:rPr>
+              <a:t>#D365PPVN</a:t>
+            </a:r>
+          </a:p>
+          <a:p>
+            <a:pPr algn="r" defTabSz="405282" fontAlgn="base">
+              <a:spcBef>
+                <a:spcPct val="0"/>
+              </a:spcBef>
+              <a:spcAft>
+                <a:spcPct val="0"/>
+              </a:spcAft>
+              <a:defRPr/>
+            </a:pPr>
+            <a:r>
+              <a:rPr lang="en-US" sz="1200" dirty="0">
+                <a:solidFill>
+                  <a:schemeClr val="bg1">
+                    <a:lumMod val="75000"/>
+                  </a:schemeClr>
+                </a:solidFill>
+                <a:latin typeface="Segoe UI Semibold"/>
+                <a:ea typeface="Segoe UI" pitchFamily="34" charset="0"/>
+                <a:cs typeface="Segoe UI"/>
+              </a:rPr>
+              <a:t>#ASEANSMSBizAppsUG</a:t>
+            </a:r>
+          </a:p>
+        </p:txBody>
+      </p:sp>
+      <p:sp>
+        <p:nvSpPr>
+          <p:cNvPr id="3" name="Rectangle 2">
+            <a:extLst>
+              <a:ext uri="{FF2B5EF4-FFF2-40B4-BE49-F238E27FC236}">
+                <a16:creationId xmlns:a16="http://schemas.microsoft.com/office/drawing/2014/main" id="{6C188753-7F27-499A-A7C9-3E73FE2504B0}"/>
+              </a:ext>
+            </a:extLst>
+          </p:cNvPr>
+          <p:cNvSpPr/>
+          <p:nvPr/>
+        </p:nvSpPr>
+        <p:spPr bwMode="auto">
+          <a:xfrm>
+            <a:off x="301359" y="107643"/>
+            <a:ext cx="7377095" cy="896247"/>
+          </a:xfrm>
+          <a:prstGeom prst="rect">
+            <a:avLst/>
+          </a:prstGeom>
+          <a:noFill/>
+          <a:ln>
+            <a:noFill/>
+            <a:headEnd type="none" w="med" len="med"/>
+            <a:tailEnd type="none" w="med" len="med"/>
+          </a:ln>
+          <a:effectLst/>
+        </p:spPr>
+        <p:style>
+          <a:lnRef idx="1">
+            <a:schemeClr val="accent2"/>
+          </a:lnRef>
+          <a:fillRef idx="3">
+            <a:schemeClr val="accent2"/>
+          </a:fillRef>
+          <a:effectRef idx="2">
+            <a:schemeClr val="accent2"/>
+          </a:effectRef>
+          <a:fontRef idx="minor">
+            <a:schemeClr val="lt1"/>
+          </a:fontRef>
+        </p:style>
+        <p:txBody>
+          <a:bodyPr rot="0" spcFirstLastPara="0" vertOverflow="overflow" horzOverflow="overflow" vert="horz" wrap="square" lIns="0" tIns="0" rIns="0" bIns="0" numCol="1" spcCol="0" rtlCol="0" fromWordArt="0" anchor="t" anchorCtr="0" forceAA="0" compatLnSpc="1">
+            <a:prstTxWarp prst="textNoShape">
+              <a:avLst/>
+            </a:prstTxWarp>
+            <a:noAutofit/>
+          </a:bodyPr>
+          <a:lstStyle/>
+          <a:p>
+            <a:pPr defTabSz="405282" fontAlgn="base">
+              <a:lnSpc>
+                <a:spcPct val="150000"/>
+              </a:lnSpc>
+              <a:spcBef>
+                <a:spcPct val="0"/>
+              </a:spcBef>
+              <a:spcAft>
+                <a:spcPct val="0"/>
+              </a:spcAft>
+              <a:defRPr/>
+            </a:pPr>
+            <a:r>
+              <a:rPr lang="en-US" sz="3600" b="1" dirty="0">
+                <a:solidFill>
+                  <a:schemeClr val="bg1"/>
+                </a:solidFill>
+                <a:latin typeface="Segoe UI Semibold"/>
+                <a:ea typeface="Segoe UI" pitchFamily="34" charset="0"/>
+                <a:cs typeface="Segoe UI"/>
+              </a:rPr>
               <a:t>crmdialog can build a dialog like …</a:t>
             </a:r>
             <a:endParaRPr lang="en-US" sz="2800" b="1" dirty="0">
@@ -17258,1034 +19015,6 @@
         </p:cTn>
       </p:par>
     </p:tnLst>
-  </p:timing>
-</p:sld>
-</file>
-
-<file path=ppt/slides/slide9.xml><?xml version="1.0" encoding="utf-8"?>
-<p:sld xmlns:a="http://schemas.openxmlformats.org/drawingml/2006/main" xmlns:r="http://schemas.openxmlformats.org/officeDocument/2006/relationships" xmlns:p="http://schemas.openxmlformats.org/presentationml/2006/main">
-  <p:cSld>
-    <p:bg>
-      <p:bgPr>
-        <a:solidFill>
-          <a:schemeClr val="tx2"/>
-        </a:solidFill>
-        <a:effectLst/>
-      </p:bgPr>
-    </p:bg>
-    <p:spTree>
-      <p:nvGrpSpPr>
-        <p:cNvPr id="1" name=""/>
-        <p:cNvGrpSpPr/>
-        <p:nvPr/>
-      </p:nvGrpSpPr>
-      <p:grpSpPr>
-        <a:xfrm>
-          <a:off x="0" y="0"/>
-          <a:ext cx="0" cy="0"/>
-          <a:chOff x="0" y="0"/>
-          <a:chExt cx="0" cy="0"/>
-        </a:xfrm>
-      </p:grpSpPr>
-      <p:sp>
-        <p:nvSpPr>
-          <p:cNvPr id="50" name="Rectangle 49">
-            <a:extLst>
-              <a:ext uri="{FF2B5EF4-FFF2-40B4-BE49-F238E27FC236}">
-                <a16:creationId xmlns:a16="http://schemas.microsoft.com/office/drawing/2014/main" id="{39558A2F-799C-45B0-8E6E-60E7AEBB1296}"/>
-              </a:ext>
-            </a:extLst>
-          </p:cNvPr>
-          <p:cNvSpPr/>
-          <p:nvPr/>
-        </p:nvSpPr>
-        <p:spPr>
-          <a:xfrm>
-            <a:off x="2439924" y="6578102"/>
-            <a:ext cx="2432304" cy="274320"/>
-          </a:xfrm>
-          <a:prstGeom prst="rect">
-            <a:avLst/>
-          </a:prstGeom>
-          <a:solidFill>
-            <a:schemeClr val="accent2"/>
-          </a:solidFill>
-          <a:ln>
-            <a:solidFill>
-              <a:schemeClr val="accent2"/>
-            </a:solidFill>
-          </a:ln>
-        </p:spPr>
-        <p:style>
-          <a:lnRef idx="2">
-            <a:schemeClr val="accent1">
-              <a:shade val="50000"/>
-            </a:schemeClr>
-          </a:lnRef>
-          <a:fillRef idx="1">
-            <a:schemeClr val="accent1"/>
-          </a:fillRef>
-          <a:effectRef idx="0">
-            <a:schemeClr val="accent1"/>
-          </a:effectRef>
-          <a:fontRef idx="minor">
-            <a:schemeClr val="lt1"/>
-          </a:fontRef>
-        </p:style>
-        <p:txBody>
-          <a:bodyPr rtlCol="0" anchor="ctr"/>
-          <a:lstStyle/>
-          <a:p>
-            <a:pPr algn="ctr"/>
-            <a:endParaRPr lang="en-US"/>
-          </a:p>
-        </p:txBody>
-      </p:sp>
-      <p:sp>
-        <p:nvSpPr>
-          <p:cNvPr id="48" name="Rectangle 47">
-            <a:extLst>
-              <a:ext uri="{FF2B5EF4-FFF2-40B4-BE49-F238E27FC236}">
-                <a16:creationId xmlns:a16="http://schemas.microsoft.com/office/drawing/2014/main" id="{C401FF64-9330-421B-A5E3-17BDA32BC502}"/>
-              </a:ext>
-            </a:extLst>
-          </p:cNvPr>
-          <p:cNvSpPr/>
-          <p:nvPr/>
-        </p:nvSpPr>
-        <p:spPr>
-          <a:xfrm>
-            <a:off x="0" y="6578102"/>
-            <a:ext cx="2432304" cy="274320"/>
-          </a:xfrm>
-          <a:prstGeom prst="rect">
-            <a:avLst/>
-          </a:prstGeom>
-          <a:ln>
-            <a:solidFill>
-              <a:schemeClr val="accent1"/>
-            </a:solidFill>
-          </a:ln>
-        </p:spPr>
-        <p:style>
-          <a:lnRef idx="2">
-            <a:schemeClr val="accent1">
-              <a:shade val="50000"/>
-            </a:schemeClr>
-          </a:lnRef>
-          <a:fillRef idx="1">
-            <a:schemeClr val="accent1"/>
-          </a:fillRef>
-          <a:effectRef idx="0">
-            <a:schemeClr val="accent1"/>
-          </a:effectRef>
-          <a:fontRef idx="minor">
-            <a:schemeClr val="lt1"/>
-          </a:fontRef>
-        </p:style>
-        <p:txBody>
-          <a:bodyPr rtlCol="0" anchor="ctr"/>
-          <a:lstStyle/>
-          <a:p>
-            <a:pPr algn="ctr"/>
-            <a:endParaRPr lang="en-US"/>
-          </a:p>
-        </p:txBody>
-      </p:sp>
-      <p:sp>
-        <p:nvSpPr>
-          <p:cNvPr id="52" name="Rectangle 51">
-            <a:extLst>
-              <a:ext uri="{FF2B5EF4-FFF2-40B4-BE49-F238E27FC236}">
-                <a16:creationId xmlns:a16="http://schemas.microsoft.com/office/drawing/2014/main" id="{BE564532-F536-4FA6-8777-87BE7FC43341}"/>
-              </a:ext>
-            </a:extLst>
-          </p:cNvPr>
-          <p:cNvSpPr/>
-          <p:nvPr/>
-        </p:nvSpPr>
-        <p:spPr>
-          <a:xfrm>
-            <a:off x="4879848" y="6578102"/>
-            <a:ext cx="2432304" cy="274320"/>
-          </a:xfrm>
-          <a:prstGeom prst="rect">
-            <a:avLst/>
-          </a:prstGeom>
-          <a:solidFill>
-            <a:schemeClr val="accent3"/>
-          </a:solidFill>
-          <a:ln>
-            <a:solidFill>
-              <a:schemeClr val="accent3"/>
-            </a:solidFill>
-          </a:ln>
-        </p:spPr>
-        <p:style>
-          <a:lnRef idx="2">
-            <a:schemeClr val="accent1">
-              <a:shade val="50000"/>
-            </a:schemeClr>
-          </a:lnRef>
-          <a:fillRef idx="1">
-            <a:schemeClr val="accent1"/>
-          </a:fillRef>
-          <a:effectRef idx="0">
-            <a:schemeClr val="accent1"/>
-          </a:effectRef>
-          <a:fontRef idx="minor">
-            <a:schemeClr val="lt1"/>
-          </a:fontRef>
-        </p:style>
-        <p:txBody>
-          <a:bodyPr rtlCol="0" anchor="ctr"/>
-          <a:lstStyle/>
-          <a:p>
-            <a:pPr algn="ctr"/>
-            <a:endParaRPr lang="en-US"/>
-          </a:p>
-        </p:txBody>
-      </p:sp>
-      <p:sp>
-        <p:nvSpPr>
-          <p:cNvPr id="54" name="Rectangle 53">
-            <a:extLst>
-              <a:ext uri="{FF2B5EF4-FFF2-40B4-BE49-F238E27FC236}">
-                <a16:creationId xmlns:a16="http://schemas.microsoft.com/office/drawing/2014/main" id="{1D869553-6FA0-4150-9086-CD4CD08A85B2}"/>
-              </a:ext>
-            </a:extLst>
-          </p:cNvPr>
-          <p:cNvSpPr/>
-          <p:nvPr/>
-        </p:nvSpPr>
-        <p:spPr>
-          <a:xfrm>
-            <a:off x="7319772" y="6578102"/>
-            <a:ext cx="2432304" cy="274320"/>
-          </a:xfrm>
-          <a:prstGeom prst="rect">
-            <a:avLst/>
-          </a:prstGeom>
-          <a:solidFill>
-            <a:schemeClr val="accent4"/>
-          </a:solidFill>
-          <a:ln>
-            <a:solidFill>
-              <a:schemeClr val="accent4"/>
-            </a:solidFill>
-          </a:ln>
-        </p:spPr>
-        <p:style>
-          <a:lnRef idx="2">
-            <a:schemeClr val="accent1">
-              <a:shade val="50000"/>
-            </a:schemeClr>
-          </a:lnRef>
-          <a:fillRef idx="1">
-            <a:schemeClr val="accent1"/>
-          </a:fillRef>
-          <a:effectRef idx="0">
-            <a:schemeClr val="accent1"/>
-          </a:effectRef>
-          <a:fontRef idx="minor">
-            <a:schemeClr val="lt1"/>
-          </a:fontRef>
-        </p:style>
-        <p:txBody>
-          <a:bodyPr rtlCol="0" anchor="ctr"/>
-          <a:lstStyle/>
-          <a:p>
-            <a:pPr algn="ctr"/>
-            <a:endParaRPr lang="en-US"/>
-          </a:p>
-        </p:txBody>
-      </p:sp>
-      <p:sp>
-        <p:nvSpPr>
-          <p:cNvPr id="56" name="Rectangle 55">
-            <a:extLst>
-              <a:ext uri="{FF2B5EF4-FFF2-40B4-BE49-F238E27FC236}">
-                <a16:creationId xmlns:a16="http://schemas.microsoft.com/office/drawing/2014/main" id="{1DE3E71E-06A1-4094-93E0-63110D411011}"/>
-              </a:ext>
-            </a:extLst>
-          </p:cNvPr>
-          <p:cNvSpPr/>
-          <p:nvPr/>
-        </p:nvSpPr>
-        <p:spPr>
-          <a:xfrm>
-            <a:off x="9759696" y="6578102"/>
-            <a:ext cx="2432304" cy="274320"/>
-          </a:xfrm>
-          <a:prstGeom prst="rect">
-            <a:avLst/>
-          </a:prstGeom>
-          <a:solidFill>
-            <a:schemeClr val="accent5"/>
-          </a:solidFill>
-          <a:ln>
-            <a:solidFill>
-              <a:schemeClr val="accent5"/>
-            </a:solidFill>
-          </a:ln>
-        </p:spPr>
-        <p:style>
-          <a:lnRef idx="2">
-            <a:schemeClr val="accent1">
-              <a:shade val="50000"/>
-            </a:schemeClr>
-          </a:lnRef>
-          <a:fillRef idx="1">
-            <a:schemeClr val="accent1"/>
-          </a:fillRef>
-          <a:effectRef idx="0">
-            <a:schemeClr val="accent1"/>
-          </a:effectRef>
-          <a:fontRef idx="minor">
-            <a:schemeClr val="lt1"/>
-          </a:fontRef>
-        </p:style>
-        <p:txBody>
-          <a:bodyPr rtlCol="0" anchor="ctr"/>
-          <a:lstStyle/>
-          <a:p>
-            <a:pPr algn="ctr"/>
-            <a:endParaRPr lang="en-US"/>
-          </a:p>
-        </p:txBody>
-      </p:sp>
-      <p:sp>
-        <p:nvSpPr>
-          <p:cNvPr id="58" name="Rectangle 57">
-            <a:extLst>
-              <a:ext uri="{FF2B5EF4-FFF2-40B4-BE49-F238E27FC236}">
-                <a16:creationId xmlns:a16="http://schemas.microsoft.com/office/drawing/2014/main" id="{77D687CE-23B2-4F39-AF5B-60A4BDC7A993}"/>
-              </a:ext>
-            </a:extLst>
-          </p:cNvPr>
-          <p:cNvSpPr/>
-          <p:nvPr/>
-        </p:nvSpPr>
-        <p:spPr bwMode="auto">
-          <a:xfrm>
-            <a:off x="10051664" y="6074405"/>
-            <a:ext cx="2013336" cy="467046"/>
-          </a:xfrm>
-          <a:prstGeom prst="rect">
-            <a:avLst/>
-          </a:prstGeom>
-          <a:noFill/>
-          <a:ln>
-            <a:noFill/>
-            <a:headEnd type="none" w="med" len="med"/>
-            <a:tailEnd type="none" w="med" len="med"/>
-          </a:ln>
-          <a:effectLst/>
-        </p:spPr>
-        <p:style>
-          <a:lnRef idx="1">
-            <a:schemeClr val="accent2"/>
-          </a:lnRef>
-          <a:fillRef idx="3">
-            <a:schemeClr val="accent2"/>
-          </a:fillRef>
-          <a:effectRef idx="2">
-            <a:schemeClr val="accent2"/>
-          </a:effectRef>
-          <a:fontRef idx="minor">
-            <a:schemeClr val="lt1"/>
-          </a:fontRef>
-        </p:style>
-        <p:txBody>
-          <a:bodyPr rot="0" spcFirstLastPara="0" vertOverflow="overflow" horzOverflow="overflow" vert="horz" wrap="square" lIns="0" tIns="0" rIns="0" bIns="0" numCol="1" spcCol="0" rtlCol="0" fromWordArt="0" anchor="t" anchorCtr="0" forceAA="0" compatLnSpc="1">
-            <a:prstTxWarp prst="textNoShape">
-              <a:avLst/>
-            </a:prstTxWarp>
-            <a:noAutofit/>
-          </a:bodyPr>
-          <a:lstStyle/>
-          <a:p>
-            <a:pPr algn="r" defTabSz="405282" fontAlgn="base">
-              <a:spcBef>
-                <a:spcPct val="0"/>
-              </a:spcBef>
-              <a:spcAft>
-                <a:spcPct val="0"/>
-              </a:spcAft>
-              <a:defRPr/>
-            </a:pPr>
-            <a:r>
-              <a:rPr lang="en-US" sz="1200" dirty="0">
-                <a:solidFill>
-                  <a:schemeClr val="bg1">
-                    <a:lumMod val="75000"/>
-                  </a:schemeClr>
-                </a:solidFill>
-                <a:latin typeface="Segoe UI Semibold"/>
-                <a:ea typeface="Segoe UI" pitchFamily="34" charset="0"/>
-                <a:cs typeface="Segoe UI"/>
-              </a:rPr>
-              <a:t>#D365PPVN</a:t>
-            </a:r>
-          </a:p>
-          <a:p>
-            <a:pPr algn="r" defTabSz="405282" fontAlgn="base">
-              <a:spcBef>
-                <a:spcPct val="0"/>
-              </a:spcBef>
-              <a:spcAft>
-                <a:spcPct val="0"/>
-              </a:spcAft>
-              <a:defRPr/>
-            </a:pPr>
-            <a:r>
-              <a:rPr lang="en-US" sz="1200" dirty="0">
-                <a:solidFill>
-                  <a:schemeClr val="bg1">
-                    <a:lumMod val="75000"/>
-                  </a:schemeClr>
-                </a:solidFill>
-                <a:latin typeface="Segoe UI Semibold"/>
-                <a:ea typeface="Segoe UI" pitchFamily="34" charset="0"/>
-                <a:cs typeface="Segoe UI"/>
-              </a:rPr>
-              <a:t>#ASEANSMSBizAppsUG</a:t>
-            </a:r>
-          </a:p>
-        </p:txBody>
-      </p:sp>
-      <p:sp>
-        <p:nvSpPr>
-          <p:cNvPr id="3" name="Rectangle 2">
-            <a:extLst>
-              <a:ext uri="{FF2B5EF4-FFF2-40B4-BE49-F238E27FC236}">
-                <a16:creationId xmlns:a16="http://schemas.microsoft.com/office/drawing/2014/main" id="{6C188753-7F27-499A-A7C9-3E73FE2504B0}"/>
-              </a:ext>
-            </a:extLst>
-          </p:cNvPr>
-          <p:cNvSpPr/>
-          <p:nvPr/>
-        </p:nvSpPr>
-        <p:spPr bwMode="auto">
-          <a:xfrm>
-            <a:off x="301359" y="107643"/>
-            <a:ext cx="7377095" cy="896247"/>
-          </a:xfrm>
-          <a:prstGeom prst="rect">
-            <a:avLst/>
-          </a:prstGeom>
-          <a:noFill/>
-          <a:ln>
-            <a:noFill/>
-            <a:headEnd type="none" w="med" len="med"/>
-            <a:tailEnd type="none" w="med" len="med"/>
-          </a:ln>
-          <a:effectLst/>
-        </p:spPr>
-        <p:style>
-          <a:lnRef idx="1">
-            <a:schemeClr val="accent2"/>
-          </a:lnRef>
-          <a:fillRef idx="3">
-            <a:schemeClr val="accent2"/>
-          </a:fillRef>
-          <a:effectRef idx="2">
-            <a:schemeClr val="accent2"/>
-          </a:effectRef>
-          <a:fontRef idx="minor">
-            <a:schemeClr val="lt1"/>
-          </a:fontRef>
-        </p:style>
-        <p:txBody>
-          <a:bodyPr rot="0" spcFirstLastPara="0" vertOverflow="overflow" horzOverflow="overflow" vert="horz" wrap="square" lIns="0" tIns="0" rIns="0" bIns="0" numCol="1" spcCol="0" rtlCol="0" fromWordArt="0" anchor="t" anchorCtr="0" forceAA="0" compatLnSpc="1">
-            <a:prstTxWarp prst="textNoShape">
-              <a:avLst/>
-            </a:prstTxWarp>
-            <a:noAutofit/>
-          </a:bodyPr>
-          <a:lstStyle/>
-          <a:p>
-            <a:pPr defTabSz="405282" fontAlgn="base">
-              <a:lnSpc>
-                <a:spcPct val="150000"/>
-              </a:lnSpc>
-              <a:spcBef>
-                <a:spcPct val="0"/>
-              </a:spcBef>
-              <a:spcAft>
-                <a:spcPct val="0"/>
-              </a:spcAft>
-              <a:defRPr/>
-            </a:pPr>
-            <a:r>
-              <a:rPr lang="en-US" sz="3600" b="1" dirty="0">
-                <a:solidFill>
-                  <a:schemeClr val="bg1"/>
-                </a:solidFill>
-                <a:latin typeface="Segoe UI Semibold"/>
-                <a:ea typeface="Segoe UI" pitchFamily="34" charset="0"/>
-                <a:cs typeface="Segoe UI"/>
-              </a:rPr>
-              <a:t>crmdialog solution</a:t>
-            </a:r>
-            <a:endParaRPr lang="en-US" sz="2800" b="1" dirty="0">
-              <a:solidFill>
-                <a:schemeClr val="bg1"/>
-              </a:solidFill>
-              <a:latin typeface="Segoe UI"/>
-              <a:ea typeface="Segoe UI" pitchFamily="34" charset="0"/>
-              <a:cs typeface="Segoe UI"/>
-            </a:endParaRPr>
-          </a:p>
-        </p:txBody>
-      </p:sp>
-      <p:sp>
-        <p:nvSpPr>
-          <p:cNvPr id="10" name="Rectangle 9">
-            <a:extLst>
-              <a:ext uri="{FF2B5EF4-FFF2-40B4-BE49-F238E27FC236}">
-                <a16:creationId xmlns:a16="http://schemas.microsoft.com/office/drawing/2014/main" id="{048CC64F-23A4-43AD-B633-E7B8A892701F}"/>
-              </a:ext>
-            </a:extLst>
-          </p:cNvPr>
-          <p:cNvSpPr/>
-          <p:nvPr/>
-        </p:nvSpPr>
-        <p:spPr bwMode="auto">
-          <a:xfrm>
-            <a:off x="720969" y="912449"/>
-            <a:ext cx="10339754" cy="2726863"/>
-          </a:xfrm>
-          <a:prstGeom prst="rect">
-            <a:avLst/>
-          </a:prstGeom>
-          <a:noFill/>
-          <a:ln>
-            <a:noFill/>
-            <a:headEnd type="none" w="med" len="med"/>
-            <a:tailEnd type="none" w="med" len="med"/>
-          </a:ln>
-          <a:effectLst/>
-        </p:spPr>
-        <p:style>
-          <a:lnRef idx="1">
-            <a:schemeClr val="accent2"/>
-          </a:lnRef>
-          <a:fillRef idx="3">
-            <a:schemeClr val="accent2"/>
-          </a:fillRef>
-          <a:effectRef idx="2">
-            <a:schemeClr val="accent2"/>
-          </a:effectRef>
-          <a:fontRef idx="minor">
-            <a:schemeClr val="lt1"/>
-          </a:fontRef>
-        </p:style>
-        <p:txBody>
-          <a:bodyPr rot="0" spcFirstLastPara="0" vertOverflow="overflow" horzOverflow="overflow" vert="horz" wrap="square" lIns="0" tIns="0" rIns="0" bIns="0" numCol="1" spcCol="0" rtlCol="0" fromWordArt="0" anchor="t" anchorCtr="0" forceAA="0" compatLnSpc="1">
-            <a:prstTxWarp prst="textNoShape">
-              <a:avLst/>
-            </a:prstTxWarp>
-            <a:noAutofit/>
-          </a:bodyPr>
-          <a:lstStyle/>
-          <a:p>
-            <a:pPr marL="285750" indent="-285750" defTabSz="405282" fontAlgn="base">
-              <a:lnSpc>
-                <a:spcPct val="150000"/>
-              </a:lnSpc>
-              <a:spcBef>
-                <a:spcPct val="0"/>
-              </a:spcBef>
-              <a:spcAft>
-                <a:spcPct val="0"/>
-              </a:spcAft>
-              <a:buFont typeface="Arial" panose="020B0604020202020204" pitchFamily="34" charset="0"/>
-              <a:buChar char="•"/>
-              <a:defRPr/>
-            </a:pPr>
-            <a:r>
-              <a:rPr lang="en-US" sz="1600" b="1" dirty="0">
-                <a:solidFill>
-                  <a:schemeClr val="bg1"/>
-                </a:solidFill>
-                <a:latin typeface="Segoe UI" panose="020B0502040204020203" pitchFamily="34" charset="0"/>
-                <a:ea typeface="Segoe UI" panose="020B0502040204020203" pitchFamily="34" charset="0"/>
-                <a:cs typeface="Segoe UI" panose="020B0502040204020203" pitchFamily="34" charset="0"/>
-                <a:sym typeface="Wingdings" panose="05000000000000000000" pitchFamily="2" charset="2"/>
-              </a:rPr>
-              <a:t> </a:t>
-            </a:r>
-            <a:r>
-              <a:rPr lang="en-US" sz="1600" b="1" dirty="0">
-                <a:solidFill>
-                  <a:schemeClr val="bg1"/>
-                </a:solidFill>
-                <a:latin typeface="Segoe UI" panose="020B0502040204020203" pitchFamily="34" charset="0"/>
-                <a:ea typeface="Segoe UI" panose="020B0502040204020203" pitchFamily="34" charset="0"/>
-                <a:cs typeface="Segoe UI" panose="020B0502040204020203" pitchFamily="34" charset="0"/>
-              </a:rPr>
-              <a:t>Unsupported </a:t>
-            </a:r>
-            <a:r>
-              <a:rPr lang="en-US" sz="1600" b="1" dirty="0">
-                <a:solidFill>
-                  <a:schemeClr val="bg1"/>
-                </a:solidFill>
-                <a:latin typeface="Segoe UI" panose="020B0502040204020203" pitchFamily="34" charset="0"/>
-                <a:ea typeface="Segoe UI" panose="020B0502040204020203" pitchFamily="34" charset="0"/>
-                <a:cs typeface="Segoe UI" panose="020B0502040204020203" pitchFamily="34" charset="0"/>
-                <a:sym typeface="Wingdings" panose="05000000000000000000" pitchFamily="2" charset="2"/>
-              </a:rPr>
-              <a:t> ( until now … )</a:t>
-            </a:r>
-            <a:endParaRPr lang="en-US" sz="1600" b="1" dirty="0">
-              <a:solidFill>
-                <a:schemeClr val="bg1"/>
-              </a:solidFill>
-              <a:latin typeface="Segoe UI" panose="020B0502040204020203" pitchFamily="34" charset="0"/>
-              <a:ea typeface="Segoe UI" panose="020B0502040204020203" pitchFamily="34" charset="0"/>
-              <a:cs typeface="Segoe UI" panose="020B0502040204020203" pitchFamily="34" charset="0"/>
-            </a:endParaRPr>
-          </a:p>
-          <a:p>
-            <a:pPr marL="285750" indent="-285750" defTabSz="405282" fontAlgn="base">
-              <a:lnSpc>
-                <a:spcPct val="150000"/>
-              </a:lnSpc>
-              <a:spcBef>
-                <a:spcPct val="0"/>
-              </a:spcBef>
-              <a:spcAft>
-                <a:spcPct val="0"/>
-              </a:spcAft>
-              <a:buFont typeface="Arial" panose="020B0604020202020204" pitchFamily="34" charset="0"/>
-              <a:buChar char="•"/>
-              <a:defRPr/>
-            </a:pPr>
-            <a:r>
-              <a:rPr lang="en-US" sz="1600" dirty="0">
-                <a:solidFill>
-                  <a:schemeClr val="bg1"/>
-                </a:solidFill>
-                <a:latin typeface="Segoe UI" panose="020B0502040204020203" pitchFamily="34" charset="0"/>
-                <a:ea typeface="Segoe UI" panose="020B0502040204020203" pitchFamily="34" charset="0"/>
-                <a:cs typeface="Segoe UI" panose="020B0502040204020203" pitchFamily="34" charset="0"/>
-              </a:rPr>
-              <a:t>Easy to use</a:t>
-            </a:r>
-          </a:p>
-          <a:p>
-            <a:pPr marL="285750" indent="-285750" defTabSz="405282" fontAlgn="base">
-              <a:lnSpc>
-                <a:spcPct val="150000"/>
-              </a:lnSpc>
-              <a:spcBef>
-                <a:spcPct val="0"/>
-              </a:spcBef>
-              <a:spcAft>
-                <a:spcPct val="0"/>
-              </a:spcAft>
-              <a:buFont typeface="Arial" panose="020B0604020202020204" pitchFamily="34" charset="0"/>
-              <a:buChar char="•"/>
-              <a:defRPr/>
-            </a:pPr>
-            <a:r>
-              <a:rPr lang="en-US" sz="1600" dirty="0">
-                <a:solidFill>
-                  <a:schemeClr val="bg1"/>
-                </a:solidFill>
-                <a:latin typeface="Segoe UI" panose="020B0502040204020203" pitchFamily="34" charset="0"/>
-                <a:ea typeface="Segoe UI" panose="020B0502040204020203" pitchFamily="34" charset="0"/>
-                <a:cs typeface="Segoe UI" panose="020B0502040204020203" pitchFamily="34" charset="0"/>
-              </a:rPr>
-              <a:t>Focus to UCI only</a:t>
-            </a:r>
-          </a:p>
-          <a:p>
-            <a:pPr marL="285750" indent="-285750" defTabSz="405282" fontAlgn="base">
-              <a:lnSpc>
-                <a:spcPct val="150000"/>
-              </a:lnSpc>
-              <a:spcBef>
-                <a:spcPct val="0"/>
-              </a:spcBef>
-              <a:spcAft>
-                <a:spcPct val="0"/>
-              </a:spcAft>
-              <a:buFont typeface="Arial" panose="020B0604020202020204" pitchFamily="34" charset="0"/>
-              <a:buChar char="•"/>
-              <a:defRPr/>
-            </a:pPr>
-            <a:r>
-              <a:rPr lang="en-US" sz="1600" dirty="0">
-                <a:solidFill>
-                  <a:schemeClr val="bg1"/>
-                </a:solidFill>
-                <a:latin typeface="Segoe UI" panose="020B0502040204020203" pitchFamily="34" charset="0"/>
-                <a:ea typeface="Segoe UI" panose="020B0502040204020203" pitchFamily="34" charset="0"/>
-                <a:cs typeface="Segoe UI" panose="020B0502040204020203" pitchFamily="34" charset="0"/>
-              </a:rPr>
-              <a:t>No need to know FormXml </a:t>
-            </a:r>
-            <a:r>
-              <a:rPr lang="en-US" sz="1600" dirty="0">
-                <a:solidFill>
-                  <a:schemeClr val="bg1"/>
-                </a:solidFill>
-                <a:latin typeface="Segoe UI" panose="020B0502040204020203" pitchFamily="34" charset="0"/>
-                <a:ea typeface="Segoe UI" panose="020B0502040204020203" pitchFamily="34" charset="0"/>
-                <a:cs typeface="Segoe UI" panose="020B0502040204020203" pitchFamily="34" charset="0"/>
-                <a:sym typeface="Wingdings" panose="05000000000000000000" pitchFamily="2" charset="2"/>
-              </a:rPr>
-              <a:t></a:t>
-            </a:r>
-          </a:p>
-          <a:p>
-            <a:pPr marL="285750" indent="-285750" defTabSz="405282" fontAlgn="base">
-              <a:lnSpc>
-                <a:spcPct val="150000"/>
-              </a:lnSpc>
-              <a:spcBef>
-                <a:spcPct val="0"/>
-              </a:spcBef>
-              <a:spcAft>
-                <a:spcPct val="0"/>
-              </a:spcAft>
-              <a:buFont typeface="Arial" panose="020B0604020202020204" pitchFamily="34" charset="0"/>
-              <a:buChar char="•"/>
-              <a:defRPr/>
-            </a:pPr>
-            <a:r>
-              <a:rPr lang="en-US" sz="1600" dirty="0">
-                <a:solidFill>
-                  <a:schemeClr val="bg1"/>
-                </a:solidFill>
-                <a:latin typeface="Segoe UI" panose="020B0502040204020203" pitchFamily="34" charset="0"/>
-                <a:ea typeface="Segoe UI" panose="020B0502040204020203" pitchFamily="34" charset="0"/>
-                <a:cs typeface="Segoe UI" panose="020B0502040204020203" pitchFamily="34" charset="0"/>
-                <a:sym typeface="Wingdings" panose="05000000000000000000" pitchFamily="2" charset="2"/>
-              </a:rPr>
-              <a:t>Help you export an unmanaged solution</a:t>
-            </a:r>
-          </a:p>
-          <a:p>
-            <a:pPr marL="285750" indent="-285750" defTabSz="405282" fontAlgn="base">
-              <a:lnSpc>
-                <a:spcPct val="150000"/>
-              </a:lnSpc>
-              <a:spcBef>
-                <a:spcPct val="0"/>
-              </a:spcBef>
-              <a:spcAft>
-                <a:spcPct val="0"/>
-              </a:spcAft>
-              <a:buFont typeface="Arial" panose="020B0604020202020204" pitchFamily="34" charset="0"/>
-              <a:buChar char="•"/>
-              <a:defRPr/>
-            </a:pPr>
-            <a:r>
-              <a:rPr lang="en-US" sz="1600" dirty="0">
-                <a:solidFill>
-                  <a:schemeClr val="bg1"/>
-                </a:solidFill>
-                <a:latin typeface="Segoe UI" panose="020B0502040204020203" pitchFamily="34" charset="0"/>
-                <a:ea typeface="Segoe UI" panose="020B0502040204020203" pitchFamily="34" charset="0"/>
-                <a:cs typeface="Segoe UI" panose="020B0502040204020203" pitchFamily="34" charset="0"/>
-                <a:sym typeface="Wingdings" panose="05000000000000000000" pitchFamily="2" charset="2"/>
-              </a:rPr>
-              <a:t>Access controls by OOB javascript code (</a:t>
-            </a:r>
-            <a:r>
-              <a:rPr lang="en-US" sz="1600" dirty="0">
-                <a:hlinkClick r:id="rId2"/>
-              </a:rPr>
-              <a:t>https://docs.microsoft.com/en-us/powerapps/developer/model-driven-apps/clientapi/reference</a:t>
-            </a:r>
-            <a:r>
-              <a:rPr lang="en-US" sz="1600" dirty="0"/>
-              <a:t>)</a:t>
-            </a:r>
-            <a:endParaRPr lang="en-US" sz="1600" dirty="0">
-              <a:solidFill>
-                <a:schemeClr val="bg1"/>
-              </a:solidFill>
-              <a:latin typeface="Segoe UI" panose="020B0502040204020203" pitchFamily="34" charset="0"/>
-              <a:ea typeface="Segoe UI" panose="020B0502040204020203" pitchFamily="34" charset="0"/>
-              <a:cs typeface="Segoe UI" panose="020B0502040204020203" pitchFamily="34" charset="0"/>
-              <a:sym typeface="Wingdings" panose="05000000000000000000" pitchFamily="2" charset="2"/>
-            </a:endParaRPr>
-          </a:p>
-          <a:p>
-            <a:pPr marL="285750" indent="-285750" defTabSz="405282" fontAlgn="base">
-              <a:lnSpc>
-                <a:spcPct val="150000"/>
-              </a:lnSpc>
-              <a:spcBef>
-                <a:spcPct val="0"/>
-              </a:spcBef>
-              <a:spcAft>
-                <a:spcPct val="0"/>
-              </a:spcAft>
-              <a:buFont typeface="Arial" panose="020B0604020202020204" pitchFamily="34" charset="0"/>
-              <a:buChar char="•"/>
-              <a:defRPr/>
-            </a:pPr>
-            <a:endParaRPr lang="en-US" sz="1600" dirty="0">
-              <a:solidFill>
-                <a:schemeClr val="bg1"/>
-              </a:solidFill>
-              <a:latin typeface="Segoe UI" panose="020B0502040204020203" pitchFamily="34" charset="0"/>
-              <a:ea typeface="Segoe UI" panose="020B0502040204020203" pitchFamily="34" charset="0"/>
-              <a:cs typeface="Segoe UI" panose="020B0502040204020203" pitchFamily="34" charset="0"/>
-              <a:sym typeface="Wingdings" panose="05000000000000000000" pitchFamily="2" charset="2"/>
-            </a:endParaRPr>
-          </a:p>
-          <a:p>
-            <a:pPr marL="285750" indent="-285750" defTabSz="405282" fontAlgn="base">
-              <a:lnSpc>
-                <a:spcPct val="150000"/>
-              </a:lnSpc>
-              <a:spcBef>
-                <a:spcPct val="0"/>
-              </a:spcBef>
-              <a:spcAft>
-                <a:spcPct val="0"/>
-              </a:spcAft>
-              <a:buFont typeface="Arial" panose="020B0604020202020204" pitchFamily="34" charset="0"/>
-              <a:buChar char="•"/>
-              <a:defRPr/>
-            </a:pPr>
-            <a:endParaRPr lang="en-US" sz="1600" dirty="0">
-              <a:solidFill>
-                <a:schemeClr val="bg1"/>
-              </a:solidFill>
-              <a:latin typeface="Segoe UI" panose="020B0502040204020203" pitchFamily="34" charset="0"/>
-              <a:ea typeface="Segoe UI" panose="020B0502040204020203" pitchFamily="34" charset="0"/>
-              <a:cs typeface="Segoe UI" panose="020B0502040204020203" pitchFamily="34" charset="0"/>
-            </a:endParaRPr>
-          </a:p>
-          <a:p>
-            <a:pPr marL="285750" indent="-285750" defTabSz="405282" fontAlgn="base">
-              <a:lnSpc>
-                <a:spcPct val="150000"/>
-              </a:lnSpc>
-              <a:spcBef>
-                <a:spcPct val="0"/>
-              </a:spcBef>
-              <a:spcAft>
-                <a:spcPct val="0"/>
-              </a:spcAft>
-              <a:buFont typeface="Arial" panose="020B0604020202020204" pitchFamily="34" charset="0"/>
-              <a:buChar char="•"/>
-              <a:defRPr/>
-            </a:pPr>
-            <a:endParaRPr lang="en-US" sz="1600" dirty="0">
-              <a:solidFill>
-                <a:schemeClr val="bg1"/>
-              </a:solidFill>
-              <a:latin typeface="Segoe UI" panose="020B0502040204020203" pitchFamily="34" charset="0"/>
-              <a:ea typeface="Segoe UI" panose="020B0502040204020203" pitchFamily="34" charset="0"/>
-              <a:cs typeface="Segoe UI" panose="020B0502040204020203" pitchFamily="34" charset="0"/>
-            </a:endParaRPr>
-          </a:p>
-          <a:p>
-            <a:pPr marL="285750" indent="-285750" defTabSz="405282" fontAlgn="base">
-              <a:lnSpc>
-                <a:spcPct val="150000"/>
-              </a:lnSpc>
-              <a:spcBef>
-                <a:spcPct val="0"/>
-              </a:spcBef>
-              <a:spcAft>
-                <a:spcPct val="0"/>
-              </a:spcAft>
-              <a:buFont typeface="Arial" panose="020B0604020202020204" pitchFamily="34" charset="0"/>
-              <a:buChar char="•"/>
-              <a:defRPr/>
-            </a:pPr>
-            <a:endParaRPr lang="en-US" sz="1600" dirty="0">
-              <a:solidFill>
-                <a:schemeClr val="bg1"/>
-              </a:solidFill>
-              <a:latin typeface="Segoe UI" panose="020B0502040204020203" pitchFamily="34" charset="0"/>
-              <a:ea typeface="Segoe UI" panose="020B0502040204020203" pitchFamily="34" charset="0"/>
-              <a:cs typeface="Segoe UI" panose="020B0502040204020203" pitchFamily="34" charset="0"/>
-            </a:endParaRPr>
-          </a:p>
-        </p:txBody>
-      </p:sp>
-      <p:sp>
-        <p:nvSpPr>
-          <p:cNvPr id="4" name="Rectangle 3">
-            <a:extLst>
-              <a:ext uri="{FF2B5EF4-FFF2-40B4-BE49-F238E27FC236}">
-                <a16:creationId xmlns:a16="http://schemas.microsoft.com/office/drawing/2014/main" id="{E820DDE3-BC0F-4859-9EFF-8DD46B951F7A}"/>
-              </a:ext>
-            </a:extLst>
-          </p:cNvPr>
-          <p:cNvSpPr/>
-          <p:nvPr/>
-        </p:nvSpPr>
-        <p:spPr>
-          <a:xfrm>
-            <a:off x="624722" y="4185916"/>
-            <a:ext cx="10532247" cy="1015663"/>
-          </a:xfrm>
-          <a:prstGeom prst="rect">
-            <a:avLst/>
-          </a:prstGeom>
-        </p:spPr>
-        <p:txBody>
-          <a:bodyPr wrap="square">
-            <a:spAutoFit/>
-          </a:bodyPr>
-          <a:lstStyle/>
-          <a:p>
-            <a:pPr algn="ctr"/>
-            <a:r>
-              <a:rPr lang="en-US" sz="6000" dirty="0">
-                <a:hlinkClick r:id="rId3"/>
-              </a:rPr>
-              <a:t>http://crmdialog.phuocle.net</a:t>
-            </a:r>
-            <a:endParaRPr lang="en-US" sz="6000" dirty="0"/>
-          </a:p>
-        </p:txBody>
-      </p:sp>
-    </p:spTree>
-    <p:extLst>
-      <p:ext uri="{BB962C8B-B14F-4D97-AF65-F5344CB8AC3E}">
-        <p14:creationId xmlns:p14="http://schemas.microsoft.com/office/powerpoint/2010/main" val="1854837005"/>
-      </p:ext>
-    </p:extLst>
-  </p:cSld>
-  <p:clrMapOvr>
-    <a:masterClrMapping/>
-  </p:clrMapOvr>
-  <p:timing>
-    <p:tnLst>
-      <p:par>
-        <p:cTn id="1" dur="indefinite" restart="never" nodeType="tmRoot">
-          <p:childTnLst>
-            <p:seq concurrent="1" nextAc="seek">
-              <p:cTn id="2" dur="indefinite" nodeType="mainSeq">
-                <p:childTnLst>
-                  <p:par>
-                    <p:cTn id="3" fill="hold">
-                      <p:stCondLst>
-                        <p:cond delay="indefinite"/>
-                      </p:stCondLst>
-                      <p:childTnLst>
-                        <p:par>
-                          <p:cTn id="4" fill="hold">
-                            <p:stCondLst>
-                              <p:cond delay="0"/>
-                            </p:stCondLst>
-                            <p:childTnLst>
-                              <p:par>
-                                <p:cTn id="5" presetID="1" presetClass="entr" presetSubtype="0" fill="hold" grpId="0" nodeType="clickEffect">
-                                  <p:stCondLst>
-                                    <p:cond delay="0"/>
-                                  </p:stCondLst>
-                                  <p:childTnLst>
-                                    <p:set>
-                                      <p:cBhvr>
-                                        <p:cTn id="6" dur="1" fill="hold">
-                                          <p:stCondLst>
-                                            <p:cond delay="0"/>
-                                          </p:stCondLst>
-                                        </p:cTn>
-                                        <p:tgtEl>
-                                          <p:spTgt spid="10"/>
-                                        </p:tgtEl>
-                                        <p:attrNameLst>
-                                          <p:attrName>style.visibility</p:attrName>
-                                        </p:attrNameLst>
-                                      </p:cBhvr>
-                                      <p:to>
-                                        <p:strVal val="visible"/>
-                                      </p:to>
-                                    </p:set>
-                                  </p:childTnLst>
-                                </p:cTn>
-                              </p:par>
-                            </p:childTnLst>
-                          </p:cTn>
-                        </p:par>
-                      </p:childTnLst>
-                    </p:cTn>
-                  </p:par>
-                  <p:par>
-                    <p:cTn id="7" fill="hold">
-                      <p:stCondLst>
-                        <p:cond delay="indefinite"/>
-                      </p:stCondLst>
-                      <p:childTnLst>
-                        <p:par>
-                          <p:cTn id="8" fill="hold">
-                            <p:stCondLst>
-                              <p:cond delay="0"/>
-                            </p:stCondLst>
-                            <p:childTnLst>
-                              <p:par>
-                                <p:cTn id="9" presetID="1" presetClass="entr" presetSubtype="0" fill="hold" grpId="0" nodeType="clickEffect">
-                                  <p:stCondLst>
-                                    <p:cond delay="0"/>
-                                  </p:stCondLst>
-                                  <p:childTnLst>
-                                    <p:set>
-                                      <p:cBhvr>
-                                        <p:cTn id="10" dur="1" fill="hold">
-                                          <p:stCondLst>
-                                            <p:cond delay="0"/>
-                                          </p:stCondLst>
-                                        </p:cTn>
-                                        <p:tgtEl>
-                                          <p:spTgt spid="4"/>
-                                        </p:tgtEl>
-                                        <p:attrNameLst>
-                                          <p:attrName>style.visibility</p:attrName>
-                                        </p:attrNameLst>
-                                      </p:cBhvr>
-                                      <p:to>
-                                        <p:strVal val="visible"/>
-                                      </p:to>
-                                    </p:set>
-                                  </p:childTnLst>
-                                </p:cTn>
-                              </p:par>
-                            </p:childTnLst>
-                          </p:cTn>
-                        </p:par>
-                      </p:childTnLst>
-                    </p:cTn>
-                  </p:par>
-                </p:childTnLst>
-              </p:cTn>
-              <p:prevCondLst>
-                <p:cond evt="onPrev" delay="0">
-                  <p:tgtEl>
-                    <p:sldTgt/>
-                  </p:tgtEl>
-                </p:cond>
-              </p:prevCondLst>
-              <p:nextCondLst>
-                <p:cond evt="onNext" delay="0">
-                  <p:tgtEl>
-                    <p:sldTgt/>
-                  </p:tgtEl>
-                </p:cond>
-              </p:nextCondLst>
-            </p:seq>
-          </p:childTnLst>
-        </p:cTn>
-      </p:par>
-    </p:tnLst>
-    <p:bldLst>
-      <p:bldP spid="10" grpId="0"/>
-      <p:bldP spid="4" grpId="0"/>
-    </p:bldLst>
   </p:timing>
 </p:sld>
 </file>
